--- a/5gChallenge_DataRangers.pptx
+++ b/5gChallenge_DataRangers.pptx
@@ -13092,7 +13092,7 @@
                 <a:effectLst/>
                 <a:ea typeface="Arial" panose="020B0604020202020204" pitchFamily="34" charset="0"/>
               </a:rPr>
-              <a:t>Explored various methods of modeling and classification of longitudinal and time series :</a:t>
+              <a:t>Explored various methods of modeling and classification of longitudinal and time series data:</a:t>
             </a:r>
           </a:p>
         </p:txBody>
@@ -13633,10 +13633,16 @@
             </a:pPr>
             <a:r>
               <a:rPr lang="en-US" sz="1600" dirty="0">
+                <a:ea typeface="Arial" panose="020B0604020202020204" pitchFamily="34" charset="0"/>
+              </a:rPr>
+              <a:t>d</a:t>
+            </a:r>
+            <a:r>
+              <a:rPr lang="en-US" sz="1600" dirty="0">
                 <a:effectLst/>
                 <a:ea typeface="Arial" panose="020B0604020202020204" pitchFamily="34" charset="0"/>
               </a:rPr>
-              <a:t>Db2,db5,sym5,coif5, </a:t>
+              <a:t>b2,db5,sym5,coif5, </a:t>
             </a:r>
             <a:r>
               <a:rPr lang="en-US" sz="1600" dirty="0" err="1">
@@ -14550,7 +14556,7 @@
                 <a:effectLst/>
                 <a:ea typeface="Arial" panose="020B0604020202020204" pitchFamily="34" charset="0"/>
               </a:rPr>
-              <a:t>A wide range of parameter grids was chosen for both Random forest and Nearest Neighbors Classifiers to run </a:t>
+              <a:t>A wide range of parameter grids was chosen for classifiers to run </a:t>
             </a:r>
             <a:r>
               <a:rPr lang="en-US" sz="1600" dirty="0" err="1">
@@ -14561,24 +14567,16 @@
             </a:r>
             <a:r>
               <a:rPr lang="en-US" sz="1600" dirty="0">
-                <a:effectLst/>
                 <a:ea typeface="Arial" panose="020B0604020202020204" pitchFamily="34" charset="0"/>
               </a:rPr>
-              <a:t> from </a:t>
-            </a:r>
-            <a:r>
-              <a:rPr lang="en-US" sz="1600" dirty="0" err="1">
-                <a:effectLst/>
-                <a:ea typeface="Arial" panose="020B0604020202020204" pitchFamily="34" charset="0"/>
-              </a:rPr>
-              <a:t>sklearn</a:t>
+              <a:t> </a:t>
             </a:r>
             <a:r>
               <a:rPr lang="en-US" sz="1600" dirty="0">
                 <a:effectLst/>
                 <a:ea typeface="Arial" panose="020B0604020202020204" pitchFamily="34" charset="0"/>
               </a:rPr>
-              <a:t> with 3-fold cross-validations.</a:t>
+              <a:t>with 3-fold cross-validation</a:t>
             </a:r>
           </a:p>
           <a:p>
@@ -14597,7 +14595,7 @@
                 <a:effectLst/>
                 <a:ea typeface="Arial" panose="020B0604020202020204" pitchFamily="34" charset="0"/>
               </a:rPr>
-              <a:t>When the best parameters are found a smaller range near the best parameters is used in </a:t>
+              <a:t>A smaller range near the best parameters is used in </a:t>
             </a:r>
             <a:r>
               <a:rPr lang="en-US" sz="1600" dirty="0" err="1">
@@ -16007,26 +16005,8 @@
                 <a:effectLst/>
                 <a:ea typeface="Arial" panose="020B0604020202020204" pitchFamily="34" charset="0"/>
               </a:rPr>
-              <a:t>the best accuracy is achieved using transformation and Machine Learning instead of solely relying on outliers. </a:t>
+              <a:t>the best accuracy is achieved using time-series transformation and Machine Learning instead of solely relying on outliers. </a:t>
             </a:r>
-          </a:p>
-          <a:p>
-            <a:pPr marL="143510" marR="0" indent="0" algn="just">
-              <a:lnSpc>
-                <a:spcPct val="100000"/>
-              </a:lnSpc>
-              <a:spcBef>
-                <a:spcPts val="0"/>
-              </a:spcBef>
-              <a:spcAft>
-                <a:spcPts val="0"/>
-              </a:spcAft>
-              <a:buNone/>
-            </a:pPr>
-            <a:endParaRPr lang="en-US" sz="1600" b="1" kern="0" dirty="0">
-              <a:effectLst/>
-              <a:ea typeface="Arial" panose="020B0604020202020204" pitchFamily="34" charset="0"/>
-            </a:endParaRPr>
           </a:p>
           <a:p>
             <a:pPr marL="0" indent="0" algn="just">
@@ -16063,7 +16043,7 @@
                 <a:effectLst/>
                 <a:ea typeface="Arial" panose="020B0604020202020204" pitchFamily="34" charset="0"/>
               </a:rPr>
-              <a:t>Even though 64 % accuracy is decent using such efficient methods we can achieve higher accuracy if we have more </a:t>
+              <a:t>Even though 64 % accuracy is decent, more </a:t>
             </a:r>
             <a:r>
               <a:rPr lang="en-US" sz="1600" b="1" dirty="0">
@@ -16077,7 +16057,7 @@
                 <a:effectLst/>
                 <a:ea typeface="Arial" panose="020B0604020202020204" pitchFamily="34" charset="0"/>
               </a:rPr>
-              <a:t> variables. Thus, adding more indicators is also recommended.</a:t>
+              <a:t> variables will give higher accuracy. Thus, adding more indicators is recommended.</a:t>
             </a:r>
           </a:p>
           <a:p>
@@ -16096,7 +16076,7 @@
                 <a:effectLst/>
                 <a:ea typeface="Arial" panose="020B0604020202020204" pitchFamily="34" charset="0"/>
               </a:rPr>
-              <a:t>More variables may not always mean more accuracy, but in our case, with variables the feature extraction may ensure more information being extracted giving more accuracy</a:t>
+              <a:t>More variables may not always mean more accuracy, but in our case, the feature extraction may ensure more information is extracted </a:t>
             </a:r>
           </a:p>
           <a:p>
@@ -16112,19 +16092,17 @@
             </a:pPr>
             <a:r>
               <a:rPr lang="en-US" sz="1600" dirty="0">
+                <a:ea typeface="Arial" panose="020B0604020202020204" pitchFamily="34" charset="0"/>
+              </a:rPr>
+              <a:t> We c</a:t>
+            </a:r>
+            <a:r>
+              <a:rPr lang="en-US" sz="1600" dirty="0">
                 <a:effectLst/>
                 <a:ea typeface="Arial" panose="020B0604020202020204" pitchFamily="34" charset="0"/>
               </a:rPr>
-              <a:t>Can experiment with the transformations more specifically and also use filters</a:t>
+              <a:t>an experiment with the more mother wavelets</a:t>
             </a:r>
-          </a:p>
-          <a:p>
-            <a:pPr marL="0" indent="0" algn="just">
-              <a:lnSpc>
-                <a:spcPct val="100000"/>
-              </a:lnSpc>
-              <a:buNone/>
-            </a:pPr>
             <a:endParaRPr lang="en-US" sz="1600" dirty="0"/>
           </a:p>
         </p:txBody>
@@ -16408,7 +16386,7 @@
         </p:nvSpPr>
         <p:spPr>
           <a:xfrm>
-            <a:off x="791804" y="3039419"/>
+            <a:off x="759171" y="2692510"/>
             <a:ext cx="1735188" cy="282983"/>
           </a:xfrm>
           <a:prstGeom prst="roundRect">
@@ -27560,7 +27538,10 @@
             <a:pPr marL="0" indent="0">
               <a:buNone/>
             </a:pPr>
-            <a:endParaRPr lang="en-US" sz="1600" dirty="0"/>
+            <a:r>
+              <a:rPr lang="en-US" sz="1600" b="1" dirty="0"/>
+              <a:t>Approach :</a:t>
+            </a:r>
           </a:p>
           <a:p>
             <a:pPr>
@@ -27569,14 +27550,14 @@
             </a:pPr>
             <a:r>
               <a:rPr lang="en-US" sz="1600" dirty="0"/>
-              <a:t>Modified approach to identify threshold</a:t>
+              <a:t>Used 95 % percentile values to identify outliers</a:t>
             </a:r>
           </a:p>
           <a:p>
             <a:pPr lvl="1"/>
             <a:r>
               <a:rPr lang="en-US" sz="1600" dirty="0"/>
-              <a:t>For a user with 95% threshold value, 5% are outliers </a:t>
+              <a:t>For a user, at the 95% threshold value there are  5% outliers </a:t>
             </a:r>
           </a:p>
           <a:p>
@@ -27586,14 +27567,23 @@
             </a:pPr>
             <a:r>
               <a:rPr lang="en-US" sz="1600" dirty="0"/>
-              <a:t>Using UGE users’ 95% as a threshold for UBE users </a:t>
+              <a:t>Using UGE users’ 95%  values as a threshold for UBE users </a:t>
             </a:r>
           </a:p>
           <a:p>
             <a:pPr lvl="1"/>
             <a:r>
               <a:rPr lang="en-US" sz="1600" dirty="0"/>
-              <a:t>Higher outlier % based on the assumption</a:t>
+              <a:t>UBE will have higher outlier % based on the assumption</a:t>
+            </a:r>
+          </a:p>
+          <a:p>
+            <a:pPr marL="0" indent="0">
+              <a:buNone/>
+            </a:pPr>
+            <a:r>
+              <a:rPr lang="en-US" sz="1600" b="1" dirty="0"/>
+              <a:t>Plots :</a:t>
             </a:r>
           </a:p>
           <a:p>
@@ -28471,7 +28461,7 @@
                 <a:effectLst/>
                 <a:ea typeface="Arial" panose="020B0604020202020204" pitchFamily="34" charset="0"/>
               </a:rPr>
-              <a:t>Grouped users with the same timestamp and parallel events</a:t>
+              <a:t>Grouped users with the same timestamp as they are parallel events</a:t>
             </a:r>
           </a:p>
           <a:p>
@@ -28505,7 +28495,7 @@
                 <a:effectLst/>
                 <a:ea typeface="Arial" panose="020B0604020202020204" pitchFamily="34" charset="0"/>
               </a:rPr>
-              <a:t>ook average of indicators 7 and 8 as they are </a:t>
+              <a:t>ook the average of indicators 7 and 8 as they are </a:t>
             </a:r>
             <a:r>
               <a:rPr lang="en-US" sz="1600" dirty="0">

--- a/5gChallenge_DataRangers.pptx
+++ b/5gChallenge_DataRangers.pptx
@@ -27433,80 +27433,6 @@
           </p:txBody>
         </p:sp>
       </p:grpSp>
-      <p:pic>
-        <p:nvPicPr>
-          <p:cNvPr id="5" name="Picture 4" descr="Graphical user interface&#10;&#10;Description automatically generated">
-            <a:extLst>
-              <a:ext uri="{FF2B5EF4-FFF2-40B4-BE49-F238E27FC236}">
-                <a16:creationId xmlns:a16="http://schemas.microsoft.com/office/drawing/2014/main" id="{A8C44F33-2E06-E691-2EF6-016574D2E3E1}"/>
-              </a:ext>
-            </a:extLst>
-          </p:cNvPr>
-          <p:cNvPicPr>
-            <a:picLocks noChangeAspect="1"/>
-          </p:cNvPicPr>
-          <p:nvPr/>
-        </p:nvPicPr>
-        <p:blipFill>
-          <a:blip r:embed="rId2" cstate="print">
-            <a:extLst>
-              <a:ext uri="{28A0092B-C50C-407E-A947-70E740481C1C}">
-                <a14:useLocalDpi xmlns:a14="http://schemas.microsoft.com/office/drawing/2010/main" val="0"/>
-              </a:ext>
-            </a:extLst>
-          </a:blip>
-          <a:stretch>
-            <a:fillRect/>
-          </a:stretch>
-        </p:blipFill>
-        <p:spPr bwMode="auto">
-          <a:xfrm>
-            <a:off x="1069597" y="1217587"/>
-            <a:ext cx="5977246" cy="2361012"/>
-          </a:xfrm>
-          <a:prstGeom prst="rect">
-            <a:avLst/>
-          </a:prstGeom>
-          <a:noFill/>
-        </p:spPr>
-      </p:pic>
-      <p:pic>
-        <p:nvPicPr>
-          <p:cNvPr id="4" name="Picture 3" descr="Graphical user interface&#10;&#10;Description automatically generated">
-            <a:extLst>
-              <a:ext uri="{FF2B5EF4-FFF2-40B4-BE49-F238E27FC236}">
-                <a16:creationId xmlns:a16="http://schemas.microsoft.com/office/drawing/2014/main" id="{5BD1D19D-A82D-452D-6B5A-5FF60F4CE37D}"/>
-              </a:ext>
-            </a:extLst>
-          </p:cNvPr>
-          <p:cNvPicPr>
-            <a:picLocks noChangeAspect="1"/>
-          </p:cNvPicPr>
-          <p:nvPr/>
-        </p:nvPicPr>
-        <p:blipFill>
-          <a:blip r:embed="rId3" cstate="print">
-            <a:extLst>
-              <a:ext uri="{28A0092B-C50C-407E-A947-70E740481C1C}">
-                <a14:useLocalDpi xmlns:a14="http://schemas.microsoft.com/office/drawing/2010/main" val="0"/>
-              </a:ext>
-            </a:extLst>
-          </a:blip>
-          <a:stretch>
-            <a:fillRect/>
-          </a:stretch>
-        </p:blipFill>
-        <p:spPr bwMode="auto">
-          <a:xfrm>
-            <a:off x="972708" y="3962290"/>
-            <a:ext cx="6074134" cy="2399283"/>
-          </a:xfrm>
-          <a:prstGeom prst="rect">
-            <a:avLst/>
-          </a:prstGeom>
-          <a:noFill/>
-        </p:spPr>
-      </p:pic>
       <p:sp>
         <p:nvSpPr>
           <p:cNvPr id="3" name="Content Placeholder 2">
@@ -27862,7 +27788,7 @@
         </p:nvSpPr>
         <p:spPr>
           <a:xfrm>
-            <a:off x="2462333" y="762787"/>
+            <a:off x="2444507" y="676831"/>
             <a:ext cx="3191773" cy="369332"/>
           </a:xfrm>
           <a:prstGeom prst="rect">
@@ -27904,7 +27830,7 @@
         </p:nvSpPr>
         <p:spPr>
           <a:xfrm>
-            <a:off x="2462333" y="3562180"/>
+            <a:off x="2444507" y="3599631"/>
             <a:ext cx="3191773" cy="369332"/>
           </a:xfrm>
           <a:prstGeom prst="rect">
@@ -27932,6 +27858,100 @@
           </a:p>
         </p:txBody>
       </p:sp>
+      <p:pic>
+        <p:nvPicPr>
+          <p:cNvPr id="1030" name="Picture 6">
+            <a:extLst>
+              <a:ext uri="{FF2B5EF4-FFF2-40B4-BE49-F238E27FC236}">
+                <a16:creationId xmlns:a16="http://schemas.microsoft.com/office/drawing/2014/main" id="{AC017EAC-F274-294A-712D-9AC3A57C1EE5}"/>
+              </a:ext>
+            </a:extLst>
+          </p:cNvPr>
+          <p:cNvPicPr>
+            <a:picLocks noChangeAspect="1" noChangeArrowheads="1"/>
+          </p:cNvPicPr>
+          <p:nvPr/>
+        </p:nvPicPr>
+        <p:blipFill>
+          <a:blip r:embed="rId2">
+            <a:extLst>
+              <a:ext uri="{28A0092B-C50C-407E-A947-70E740481C1C}">
+                <a14:useLocalDpi xmlns:a14="http://schemas.microsoft.com/office/drawing/2010/main" val="0"/>
+              </a:ext>
+            </a:extLst>
+          </a:blip>
+          <a:srcRect/>
+          <a:stretch>
+            <a:fillRect/>
+          </a:stretch>
+        </p:blipFill>
+        <p:spPr bwMode="auto">
+          <a:xfrm>
+            <a:off x="345768" y="3955462"/>
+            <a:ext cx="6718084" cy="2663615"/>
+          </a:xfrm>
+          <a:prstGeom prst="rect">
+            <a:avLst/>
+          </a:prstGeom>
+          <a:noFill/>
+          <a:extLst>
+            <a:ext uri="{909E8E84-426E-40DD-AFC4-6F175D3DCCD1}">
+              <a14:hiddenFill xmlns:a14="http://schemas.microsoft.com/office/drawing/2010/main">
+                <a:solidFill>
+                  <a:srgbClr val="FFFFFF"/>
+                </a:solidFill>
+              </a14:hiddenFill>
+            </a:ext>
+          </a:extLst>
+        </p:spPr>
+      </p:pic>
+      <p:pic>
+        <p:nvPicPr>
+          <p:cNvPr id="1032" name="Picture 8">
+            <a:extLst>
+              <a:ext uri="{FF2B5EF4-FFF2-40B4-BE49-F238E27FC236}">
+                <a16:creationId xmlns:a16="http://schemas.microsoft.com/office/drawing/2014/main" id="{E494656A-EEB7-950D-EA06-EC5B2969DFCE}"/>
+              </a:ext>
+            </a:extLst>
+          </p:cNvPr>
+          <p:cNvPicPr>
+            <a:picLocks noChangeAspect="1" noChangeArrowheads="1"/>
+          </p:cNvPicPr>
+          <p:nvPr/>
+        </p:nvPicPr>
+        <p:blipFill>
+          <a:blip r:embed="rId3">
+            <a:extLst>
+              <a:ext uri="{28A0092B-C50C-407E-A947-70E740481C1C}">
+                <a14:useLocalDpi xmlns:a14="http://schemas.microsoft.com/office/drawing/2010/main" val="0"/>
+              </a:ext>
+            </a:extLst>
+          </a:blip>
+          <a:srcRect/>
+          <a:stretch>
+            <a:fillRect/>
+          </a:stretch>
+        </p:blipFill>
+        <p:spPr bwMode="auto">
+          <a:xfrm>
+            <a:off x="345769" y="967654"/>
+            <a:ext cx="6718083" cy="2661866"/>
+          </a:xfrm>
+          <a:prstGeom prst="rect">
+            <a:avLst/>
+          </a:prstGeom>
+          <a:noFill/>
+          <a:extLst>
+            <a:ext uri="{909E8E84-426E-40DD-AFC4-6F175D3DCCD1}">
+              <a14:hiddenFill xmlns:a14="http://schemas.microsoft.com/office/drawing/2010/main">
+                <a:solidFill>
+                  <a:srgbClr val="FFFFFF"/>
+                </a:solidFill>
+              </a14:hiddenFill>
+            </a:ext>
+          </a:extLst>
+        </p:spPr>
+      </p:pic>
     </p:spTree>
     <p:extLst>
       <p:ext uri="{BB962C8B-B14F-4D97-AF65-F5344CB8AC3E}">

--- a/5gChallenge_DataRangers.pptx
+++ b/5gChallenge_DataRangers.pptx
@@ -9935,7 +9935,7 @@
                 <a:effectLst/>
                 <a:ea typeface="Arial" panose="020B0604020202020204" pitchFamily="34" charset="0"/>
               </a:rPr>
-              <a:t>High speed connection inversely proportional to time delays (lesser outliers)</a:t>
+              <a:t> High-speed connection  short connection times and lesser outliers</a:t>
             </a:r>
           </a:p>
           <a:p>
@@ -9959,9 +9959,18 @@
             </a:pPr>
             <a:r>
               <a:rPr lang="en-US" sz="1600" dirty="0">
+                <a:latin typeface="Times New Roman" panose="02020603050405020304" pitchFamily="18" charset="0"/>
                 <a:ea typeface="Arial" panose="020B0604020202020204" pitchFamily="34" charset="0"/>
               </a:rPr>
-              <a:t>Exceptions if network fluctuates, multiple packets are transmitted</a:t>
+              <a:t>Y</a:t>
+            </a:r>
+            <a:r>
+              <a:rPr lang="en-US" sz="1600" dirty="0">
+                <a:effectLst/>
+                <a:latin typeface="Times New Roman" panose="02020603050405020304" pitchFamily="18" charset="0"/>
+                <a:ea typeface="Arial" panose="020B0604020202020204" pitchFamily="34" charset="0"/>
+              </a:rPr>
+              <a:t>et experience would be bad if the network fluctuates a lot with retransmissions</a:t>
             </a:r>
             <a:endParaRPr lang="en-US" sz="1600" dirty="0">
               <a:effectLst/>
@@ -10010,7 +10019,7 @@
                 <a:effectLst/>
                 <a:ea typeface="Arial" panose="020B0604020202020204" pitchFamily="34" charset="0"/>
               </a:rPr>
-              <a:t>Size of time delay indicator dataset vs outliers</a:t>
+              <a:t>High volume downloads result in large connection times and more outliers</a:t>
             </a:r>
           </a:p>
           <a:p>
@@ -10036,7 +10045,7 @@
               <a:rPr lang="en-US" sz="1600" dirty="0">
                 <a:ea typeface="Arial" panose="020B0604020202020204" pitchFamily="34" charset="0"/>
               </a:rPr>
-              <a:t>Correlation of user experience with high-volume downloads/uploads </a:t>
+              <a:t>Yet user might report good experience as it was expected</a:t>
             </a:r>
             <a:endParaRPr lang="en-US" sz="1600" dirty="0">
               <a:effectLst/>
@@ -10060,7 +10069,7 @@
         <p:spPr>
           <a:xfrm>
             <a:off x="4065933" y="4950942"/>
-            <a:ext cx="7608165" cy="1323439"/>
+            <a:ext cx="7608165" cy="1077218"/>
           </a:xfrm>
           <a:prstGeom prst="rect">
             <a:avLst/>
@@ -10085,19 +10094,8 @@
                 <a:effectLst/>
                 <a:ea typeface="Arial" panose="020B0604020202020204" pitchFamily="34" charset="0"/>
               </a:rPr>
-              <a:t>High speed connection yet poor performance (package retransmissions and connection failures/delays due to bad performance of the connection)</a:t>
+              <a:t>High-speed connection yet  more retransmissions and connection failures/delays</a:t>
             </a:r>
-          </a:p>
-          <a:p>
-            <a:pPr lvl="1">
-              <a:spcBef>
-                <a:spcPts val="0"/>
-              </a:spcBef>
-            </a:pPr>
-            <a:endParaRPr lang="en-US" sz="1600" dirty="0">
-              <a:effectLst/>
-              <a:ea typeface="Arial" panose="020B0604020202020204" pitchFamily="34" charset="0"/>
-            </a:endParaRPr>
           </a:p>
           <a:p>
             <a:pPr marL="800100" lvl="1" indent="-342900" algn="just">
@@ -10111,14 +10109,7 @@
               <a:rPr lang="en-US" sz="1600" dirty="0">
                 <a:ea typeface="Arial" panose="020B0604020202020204" pitchFamily="34" charset="0"/>
               </a:rPr>
-              <a:t>User reporting good experience with minimal usage </a:t>
-            </a:r>
-            <a:r>
-              <a:rPr lang="en-US" sz="1600" dirty="0">
-                <a:effectLst/>
-                <a:ea typeface="Arial" panose="020B0604020202020204" pitchFamily="34" charset="0"/>
-              </a:rPr>
-              <a:t>and the speed compensates for the connection issues</a:t>
+              <a:t>User might report a good experience as usage is minimal and speed compensates for the issues</a:t>
             </a:r>
             <a:endParaRPr lang="en-US" sz="1600" dirty="0"/>
           </a:p>
@@ -16009,6 +16000,28 @@
             </a:r>
           </a:p>
           <a:p>
+            <a:pPr algn="just">
+              <a:lnSpc>
+                <a:spcPct val="100000"/>
+              </a:lnSpc>
+              <a:spcBef>
+                <a:spcPts val="0"/>
+              </a:spcBef>
+              <a:buFont typeface="Wingdings" panose="05000000000000000000" pitchFamily="2" charset="2"/>
+              <a:buChar char="q"/>
+            </a:pPr>
+            <a:r>
+              <a:rPr lang="en-US" sz="1600" dirty="0">
+                <a:ea typeface="Arial" panose="020B0604020202020204" pitchFamily="34" charset="0"/>
+              </a:rPr>
+              <a:t>Such identification has great Business Value in long term as the users’ problems can be solved proactively before complaints are raised</a:t>
+            </a:r>
+            <a:endParaRPr lang="en-US" sz="1600" dirty="0">
+              <a:effectLst/>
+              <a:ea typeface="Arial" panose="020B0604020202020204" pitchFamily="34" charset="0"/>
+            </a:endParaRPr>
+          </a:p>
+          <a:p>
             <a:pPr marL="0" indent="0" algn="just">
               <a:lnSpc>
                 <a:spcPct val="100000"/>
@@ -16386,7 +16399,7 @@
         </p:nvSpPr>
         <p:spPr>
           <a:xfrm>
-            <a:off x="759171" y="2692510"/>
+            <a:off x="759171" y="3341639"/>
             <a:ext cx="1735188" cy="282983"/>
           </a:xfrm>
           <a:prstGeom prst="roundRect">
@@ -28565,7 +28578,7 @@
               <a:rPr lang="en-US" sz="1600" dirty="0">
                 <a:ea typeface="Arial" panose="020B0604020202020204" pitchFamily="34" charset="0"/>
               </a:rPr>
-              <a:t>Usually, 2 principal components capture maxim variance (75%)</a:t>
+              <a:t>Usually, 2 principal components capture maximum variance (75%)</a:t>
             </a:r>
           </a:p>
           <a:p>

--- a/5gChallenge_DataRangers.pptx
+++ b/5gChallenge_DataRangers.pptx
@@ -7,20 +7,21 @@
   <p:sldIdLst>
     <p:sldId id="256" r:id="rId2"/>
     <p:sldId id="274" r:id="rId3"/>
-    <p:sldId id="271" r:id="rId4"/>
-    <p:sldId id="270" r:id="rId5"/>
-    <p:sldId id="260" r:id="rId6"/>
-    <p:sldId id="261" r:id="rId7"/>
-    <p:sldId id="276" r:id="rId8"/>
-    <p:sldId id="262" r:id="rId9"/>
-    <p:sldId id="263" r:id="rId10"/>
-    <p:sldId id="264" r:id="rId11"/>
-    <p:sldId id="265" r:id="rId12"/>
-    <p:sldId id="266" r:id="rId13"/>
-    <p:sldId id="267" r:id="rId14"/>
-    <p:sldId id="268" r:id="rId15"/>
-    <p:sldId id="269" r:id="rId16"/>
-    <p:sldId id="273" r:id="rId17"/>
+    <p:sldId id="277" r:id="rId4"/>
+    <p:sldId id="271" r:id="rId5"/>
+    <p:sldId id="270" r:id="rId6"/>
+    <p:sldId id="260" r:id="rId7"/>
+    <p:sldId id="261" r:id="rId8"/>
+    <p:sldId id="276" r:id="rId9"/>
+    <p:sldId id="262" r:id="rId10"/>
+    <p:sldId id="263" r:id="rId11"/>
+    <p:sldId id="264" r:id="rId12"/>
+    <p:sldId id="265" r:id="rId13"/>
+    <p:sldId id="266" r:id="rId14"/>
+    <p:sldId id="267" r:id="rId15"/>
+    <p:sldId id="268" r:id="rId16"/>
+    <p:sldId id="269" r:id="rId17"/>
+    <p:sldId id="273" r:id="rId18"/>
   </p:sldIdLst>
   <p:sldSz cx="12192000" cy="6858000"/>
   <p:notesSz cx="6858000" cy="9144000"/>
@@ -133,6 +134,35 @@
     <p1510:client id="{23A7666B-C5A2-4AE7-BC9A-82F1276E5DCE}" v="8" dt="2022-11-29T13:10:19.175"/>
   </p1510:revLst>
 </p1510:revInfo>
+</file>
+
+<file path=ppt/changesInfos/changesInfo1.xml><?xml version="1.0" encoding="utf-8"?>
+<pc:chgInfo xmlns:a="http://schemas.openxmlformats.org/drawingml/2006/main" xmlns:r="http://schemas.openxmlformats.org/officeDocument/2006/relationships" xmlns:ac="http://schemas.microsoft.com/office/drawing/2013/main/command" xmlns:pc="http://schemas.microsoft.com/office/powerpoint/2013/main/command">
+  <pc:docChgLst>
+    <pc:chgData name="Bharath Raj Muppalla" userId="cbaa53fa90d5aa00" providerId="LiveId" clId="{C954325B-1D7E-4205-818C-5BD5F67AA9C6}"/>
+    <pc:docChg chg="modSld">
+      <pc:chgData name="Bharath Raj Muppalla" userId="cbaa53fa90d5aa00" providerId="LiveId" clId="{C954325B-1D7E-4205-818C-5BD5F67AA9C6}" dt="2022-11-30T04:10:31.856" v="0" actId="1076"/>
+      <pc:docMkLst>
+        <pc:docMk/>
+      </pc:docMkLst>
+      <pc:sldChg chg="modSp mod">
+        <pc:chgData name="Bharath Raj Muppalla" userId="cbaa53fa90d5aa00" providerId="LiveId" clId="{C954325B-1D7E-4205-818C-5BD5F67AA9C6}" dt="2022-11-30T04:10:31.856" v="0" actId="1076"/>
+        <pc:sldMkLst>
+          <pc:docMk/>
+          <pc:sldMk cId="4202074098" sldId="256"/>
+        </pc:sldMkLst>
+        <pc:spChg chg="mod">
+          <ac:chgData name="Bharath Raj Muppalla" userId="cbaa53fa90d5aa00" providerId="LiveId" clId="{C954325B-1D7E-4205-818C-5BD5F67AA9C6}" dt="2022-11-30T04:10:31.856" v="0" actId="1076"/>
+          <ac:spMkLst>
+            <pc:docMk/>
+            <pc:sldMk cId="4202074098" sldId="256"/>
+            <ac:spMk id="6" creationId="{D9D5F302-EE28-756D-1CD5-572DA0B1C7AC}"/>
+          </ac:spMkLst>
+        </pc:spChg>
+      </pc:sldChg>
+    </pc:docChg>
+  </pc:docChgLst>
+</pc:chgInfo>
 </file>
 
 <file path=ppt/diagrams/colors1.xml><?xml version="1.0" encoding="utf-8"?>
@@ -7713,94 +7743,6 @@
       </p:sp>
       <p:sp>
         <p:nvSpPr>
-          <p:cNvPr id="3" name="Subtitle 2">
-            <a:extLst>
-              <a:ext uri="{FF2B5EF4-FFF2-40B4-BE49-F238E27FC236}">
-                <a16:creationId xmlns:a16="http://schemas.microsoft.com/office/drawing/2014/main" id="{92892B59-1134-266C-5E15-4593E2F982CE}"/>
-              </a:ext>
-            </a:extLst>
-          </p:cNvPr>
-          <p:cNvSpPr>
-            <a:spLocks noGrp="1"/>
-          </p:cNvSpPr>
-          <p:nvPr>
-            <p:ph type="subTitle" idx="1"/>
-          </p:nvPr>
-        </p:nvSpPr>
-        <p:spPr>
-          <a:xfrm>
-            <a:off x="4439633" y="3910112"/>
-            <a:ext cx="3312734" cy="1357625"/>
-          </a:xfrm>
-          <a:noFill/>
-        </p:spPr>
-        <p:txBody>
-          <a:bodyPr>
-            <a:normAutofit fontScale="25000" lnSpcReduction="20000"/>
-          </a:bodyPr>
-          <a:lstStyle/>
-          <a:p>
-            <a:r>
-              <a:rPr lang="en-US" sz="6400" b="1" dirty="0">
-                <a:solidFill>
-                  <a:srgbClr val="080808"/>
-                </a:solidFill>
-              </a:rPr>
-              <a:t>Team Members:</a:t>
-            </a:r>
-          </a:p>
-          <a:p>
-            <a:r>
-              <a:rPr lang="en-US" sz="5600" dirty="0">
-                <a:solidFill>
-                  <a:schemeClr val="accent1">
-                    <a:lumMod val="50000"/>
-                  </a:schemeClr>
-                </a:solidFill>
-              </a:rPr>
-              <a:t>Bharath Raj Muppalla</a:t>
-            </a:r>
-          </a:p>
-          <a:p>
-            <a:r>
-              <a:rPr lang="en-US" sz="5600" dirty="0">
-                <a:solidFill>
-                  <a:schemeClr val="accent1">
-                    <a:lumMod val="50000"/>
-                  </a:schemeClr>
-                </a:solidFill>
-              </a:rPr>
-              <a:t>Cade Phelan</a:t>
-            </a:r>
-          </a:p>
-          <a:p>
-            <a:r>
-              <a:rPr lang="en-US" sz="5600" dirty="0">
-                <a:solidFill>
-                  <a:schemeClr val="accent1">
-                    <a:lumMod val="50000"/>
-                  </a:schemeClr>
-                </a:solidFill>
-              </a:rPr>
-              <a:t>Srinivas Pramodh Kotipalli</a:t>
-            </a:r>
-          </a:p>
-          <a:p>
-            <a:r>
-              <a:rPr lang="en-US" sz="5600" dirty="0">
-                <a:solidFill>
-                  <a:schemeClr val="accent1">
-                    <a:lumMod val="50000"/>
-                  </a:schemeClr>
-                </a:solidFill>
-              </a:rPr>
-              <a:t>Tharun Sai Raghavendra Veeram Reddygari</a:t>
-            </a:r>
-          </a:p>
-        </p:txBody>
-      </p:sp>
-      <p:sp>
-        <p:nvSpPr>
           <p:cNvPr id="2" name="Title 1">
             <a:extLst>
               <a:ext uri="{FF2B5EF4-FFF2-40B4-BE49-F238E27FC236}">
@@ -7817,24 +7759,17 @@
         </p:nvSpPr>
         <p:spPr>
           <a:xfrm>
-            <a:off x="3125091" y="2180008"/>
-            <a:ext cx="5782716" cy="1741274"/>
+            <a:off x="2989189" y="3505358"/>
+            <a:ext cx="6275170" cy="659280"/>
           </a:xfrm>
           <a:noFill/>
         </p:spPr>
         <p:txBody>
           <a:bodyPr anchor="ctr">
-            <a:normAutofit/>
+            <a:normAutofit fontScale="90000"/>
           </a:bodyPr>
           <a:lstStyle/>
           <a:p>
-            <a:r>
-              <a:rPr lang="en-US" sz="2800" b="1" i="0" dirty="0">
-                <a:effectLst/>
-                <a:latin typeface="+mn-lt"/>
-              </a:rPr>
-              <a:t>Classification of Home Network Users to Improve User Experience</a:t>
-            </a:r>
             <a:br>
               <a:rPr lang="en-US" sz="2800" b="1" i="0" dirty="0">
                 <a:effectLst/>
@@ -7847,14 +7782,6 @@
                 <a:latin typeface="-apple-system"/>
               </a:rPr>
             </a:br>
-            <a:r>
-              <a:rPr lang="en-US" sz="2400" b="1" dirty="0">
-                <a:solidFill>
-                  <a:srgbClr val="0070C0"/>
-                </a:solidFill>
-              </a:rPr>
-              <a:t>Team Data Rangers</a:t>
-            </a:r>
             <a:endParaRPr lang="en-US" sz="3600" b="1" dirty="0">
               <a:solidFill>
                 <a:srgbClr val="0070C0"/>
@@ -8040,6 +7967,163 @@
           </a:p>
         </p:txBody>
       </p:sp>
+      <p:pic>
+        <p:nvPicPr>
+          <p:cNvPr id="4" name="Picture 2" descr="Current marks | Oklahoma State University">
+            <a:extLst>
+              <a:ext uri="{FF2B5EF4-FFF2-40B4-BE49-F238E27FC236}">
+                <a16:creationId xmlns:a16="http://schemas.microsoft.com/office/drawing/2014/main" id="{A11D8E6D-380B-FCCB-ED58-3F57F6989646}"/>
+              </a:ext>
+            </a:extLst>
+          </p:cNvPr>
+          <p:cNvPicPr>
+            <a:picLocks noChangeAspect="1" noChangeArrowheads="1"/>
+          </p:cNvPicPr>
+          <p:nvPr/>
+        </p:nvPicPr>
+        <p:blipFill>
+          <a:blip r:embed="rId2">
+            <a:extLst>
+              <a:ext uri="{28A0092B-C50C-407E-A947-70E740481C1C}">
+                <a14:useLocalDpi xmlns:a14="http://schemas.microsoft.com/office/drawing/2010/main" val="0"/>
+              </a:ext>
+            </a:extLst>
+          </a:blip>
+          <a:srcRect/>
+          <a:stretch>
+            <a:fillRect/>
+          </a:stretch>
+        </p:blipFill>
+        <p:spPr bwMode="auto">
+          <a:xfrm>
+            <a:off x="5082418" y="4326033"/>
+            <a:ext cx="1933160" cy="1000624"/>
+          </a:xfrm>
+          <a:prstGeom prst="rect">
+            <a:avLst/>
+          </a:prstGeom>
+          <a:noFill/>
+          <a:extLst>
+            <a:ext uri="{909E8E84-426E-40DD-AFC4-6F175D3DCCD1}">
+              <a14:hiddenFill xmlns:a14="http://schemas.microsoft.com/office/drawing/2010/main">
+                <a:solidFill>
+                  <a:srgbClr val="FFFFFF"/>
+                </a:solidFill>
+              </a14:hiddenFill>
+            </a:ext>
+          </a:extLst>
+        </p:spPr>
+      </p:pic>
+      <p:sp>
+        <p:nvSpPr>
+          <p:cNvPr id="6" name="Subtitle 5">
+            <a:extLst>
+              <a:ext uri="{FF2B5EF4-FFF2-40B4-BE49-F238E27FC236}">
+                <a16:creationId xmlns:a16="http://schemas.microsoft.com/office/drawing/2014/main" id="{D9D5F302-EE28-756D-1CD5-572DA0B1C7AC}"/>
+              </a:ext>
+            </a:extLst>
+          </p:cNvPr>
+          <p:cNvSpPr>
+            <a:spLocks noGrp="1"/>
+          </p:cNvSpPr>
+          <p:nvPr>
+            <p:ph type="subTitle" idx="1"/>
+          </p:nvPr>
+        </p:nvSpPr>
+        <p:spPr>
+          <a:xfrm>
+            <a:off x="2104394" y="3226548"/>
+            <a:ext cx="7983212" cy="451283"/>
+          </a:xfrm>
+        </p:spPr>
+        <p:txBody>
+          <a:bodyPr>
+            <a:noAutofit/>
+          </a:bodyPr>
+          <a:lstStyle/>
+          <a:p>
+            <a:r>
+              <a:rPr lang="en-US" sz="2200" b="1" i="0" dirty="0">
+                <a:effectLst/>
+                <a:latin typeface="+mn-lt"/>
+              </a:rPr>
+              <a:t>Classification of Home Network Users to Improve User Experience</a:t>
+            </a:r>
+            <a:endParaRPr lang="en-US" sz="2200" dirty="0"/>
+          </a:p>
+        </p:txBody>
+      </p:sp>
+      <p:sp>
+        <p:nvSpPr>
+          <p:cNvPr id="7" name="Title 1">
+            <a:extLst>
+              <a:ext uri="{FF2B5EF4-FFF2-40B4-BE49-F238E27FC236}">
+                <a16:creationId xmlns:a16="http://schemas.microsoft.com/office/drawing/2014/main" id="{AF0F0B18-DD57-7F81-ED00-BAEE7DDF30A5}"/>
+              </a:ext>
+            </a:extLst>
+          </p:cNvPr>
+          <p:cNvSpPr txBox="1">
+            <a:spLocks/>
+          </p:cNvSpPr>
+          <p:nvPr/>
+        </p:nvSpPr>
+        <p:spPr>
+          <a:xfrm>
+            <a:off x="3348033" y="1404470"/>
+            <a:ext cx="5700416" cy="1412858"/>
+          </a:xfrm>
+          <a:prstGeom prst="rect">
+            <a:avLst/>
+          </a:prstGeom>
+        </p:spPr>
+        <p:txBody>
+          <a:bodyPr vert="horz" lIns="91440" tIns="45720" rIns="91440" bIns="45720" rtlCol="0" anchor="b">
+            <a:normAutofit/>
+          </a:bodyPr>
+          <a:lstStyle>
+            <a:lvl1pPr algn="ctr" defTabSz="914400" rtl="0" eaLnBrk="1" latinLnBrk="0" hangingPunct="1">
+              <a:lnSpc>
+                <a:spcPct val="90000"/>
+              </a:lnSpc>
+              <a:spcBef>
+                <a:spcPct val="0"/>
+              </a:spcBef>
+              <a:buNone/>
+              <a:defRPr sz="6000" kern="1200">
+                <a:solidFill>
+                  <a:schemeClr val="tx1"/>
+                </a:solidFill>
+                <a:latin typeface="+mj-lt"/>
+                <a:ea typeface="+mj-ea"/>
+                <a:cs typeface="+mj-cs"/>
+              </a:defRPr>
+            </a:lvl1pPr>
+          </a:lstStyle>
+          <a:p>
+            <a:r>
+              <a:rPr lang="en-US" sz="4000" b="1" dirty="0">
+                <a:latin typeface="Calibri"/>
+                <a:cs typeface="Calibri"/>
+              </a:rPr>
+              <a:t>AI for good </a:t>
+            </a:r>
+            <a:br>
+              <a:rPr lang="en-US" sz="4000" b="1" dirty="0">
+                <a:latin typeface="Calibri"/>
+                <a:cs typeface="Calibri"/>
+              </a:rPr>
+            </a:br>
+            <a:r>
+              <a:rPr lang="en-US" sz="4000" b="1" dirty="0">
+                <a:latin typeface="Calibri"/>
+                <a:cs typeface="Calibri"/>
+              </a:rPr>
+              <a:t>5g/ml challenge</a:t>
+            </a:r>
+            <a:endParaRPr lang="en-US" dirty="0"/>
+          </a:p>
+        </p:txBody>
+      </p:sp>
     </p:spTree>
     <p:extLst>
       <p:ext uri="{BB962C8B-B14F-4D97-AF65-F5344CB8AC3E}">
@@ -8050,10 +8134,937 @@
   <p:clrMapOvr>
     <a:masterClrMapping/>
   </p:clrMapOvr>
+  <p:timing>
+    <p:tnLst>
+      <p:par>
+        <p:cTn id="1" dur="indefinite" restart="never" nodeType="tmRoot">
+          <p:childTnLst>
+            <p:seq concurrent="1" nextAc="seek">
+              <p:cTn id="2" dur="indefinite" nodeType="mainSeq">
+                <p:childTnLst>
+                  <p:par>
+                    <p:cTn id="3" fill="hold">
+                      <p:stCondLst>
+                        <p:cond delay="indefinite"/>
+                        <p:cond evt="onBegin" delay="0">
+                          <p:tn val="2"/>
+                        </p:cond>
+                      </p:stCondLst>
+                      <p:childTnLst>
+                        <p:par>
+                          <p:cTn id="4" fill="hold">
+                            <p:stCondLst>
+                              <p:cond delay="0"/>
+                            </p:stCondLst>
+                            <p:childTnLst>
+                              <p:par>
+                                <p:cTn id="5" presetID="10" presetClass="entr" presetSubtype="0" fill="hold" grpId="0" nodeType="withEffect">
+                                  <p:stCondLst>
+                                    <p:cond delay="1000"/>
+                                  </p:stCondLst>
+                                  <p:iterate type="lt">
+                                    <p:tmPct val="10000"/>
+                                  </p:iterate>
+                                  <p:childTnLst>
+                                    <p:set>
+                                      <p:cBhvr>
+                                        <p:cTn id="6" dur="1" fill="hold">
+                                          <p:stCondLst>
+                                            <p:cond delay="0"/>
+                                          </p:stCondLst>
+                                        </p:cTn>
+                                        <p:tgtEl>
+                                          <p:spTgt spid="7"/>
+                                        </p:tgtEl>
+                                        <p:attrNameLst>
+                                          <p:attrName>style.visibility</p:attrName>
+                                        </p:attrNameLst>
+                                      </p:cBhvr>
+                                      <p:to>
+                                        <p:strVal val="visible"/>
+                                      </p:to>
+                                    </p:set>
+                                    <p:animEffect transition="in" filter="fade">
+                                      <p:cBhvr>
+                                        <p:cTn id="7" dur="400"/>
+                                        <p:tgtEl>
+                                          <p:spTgt spid="7"/>
+                                        </p:tgtEl>
+                                      </p:cBhvr>
+                                    </p:animEffect>
+                                  </p:childTnLst>
+                                </p:cTn>
+                              </p:par>
+                            </p:childTnLst>
+                          </p:cTn>
+                        </p:par>
+                      </p:childTnLst>
+                    </p:cTn>
+                  </p:par>
+                </p:childTnLst>
+              </p:cTn>
+              <p:prevCondLst>
+                <p:cond evt="onPrev" delay="0">
+                  <p:tgtEl>
+                    <p:sldTgt/>
+                  </p:tgtEl>
+                </p:cond>
+              </p:prevCondLst>
+              <p:nextCondLst>
+                <p:cond evt="onNext" delay="0">
+                  <p:tgtEl>
+                    <p:sldTgt/>
+                  </p:tgtEl>
+                </p:cond>
+              </p:nextCondLst>
+            </p:seq>
+          </p:childTnLst>
+        </p:cTn>
+      </p:par>
+    </p:tnLst>
+    <p:bldLst>
+      <p:bldP spid="7" grpId="0"/>
+    </p:bldLst>
+  </p:timing>
 </p:sld>
 </file>
 
 <file path=ppt/slides/slide10.xml><?xml version="1.0" encoding="utf-8"?>
+<p:sld xmlns:a="http://schemas.openxmlformats.org/drawingml/2006/main" xmlns:r="http://schemas.openxmlformats.org/officeDocument/2006/relationships" xmlns:p="http://schemas.openxmlformats.org/presentationml/2006/main">
+  <p:cSld>
+    <p:bg>
+      <p:bgPr>
+        <a:solidFill>
+          <a:schemeClr val="bg1"/>
+        </a:solidFill>
+        <a:effectLst/>
+      </p:bgPr>
+    </p:bg>
+    <p:spTree>
+      <p:nvGrpSpPr>
+        <p:cNvPr id="1" name=""/>
+        <p:cNvGrpSpPr/>
+        <p:nvPr/>
+      </p:nvGrpSpPr>
+      <p:grpSpPr>
+        <a:xfrm>
+          <a:off x="0" y="0"/>
+          <a:ext cx="0" cy="0"/>
+          <a:chOff x="0" y="0"/>
+          <a:chExt cx="0" cy="0"/>
+        </a:xfrm>
+      </p:grpSpPr>
+      <p:sp>
+        <p:nvSpPr>
+          <p:cNvPr id="8" name="Rectangle 7">
+            <a:extLst>
+              <a:ext uri="{FF2B5EF4-FFF2-40B4-BE49-F238E27FC236}">
+                <a16:creationId xmlns:a16="http://schemas.microsoft.com/office/drawing/2014/main" id="{46D6306C-ED4F-4AAE-B4A5-EEA6AFAD726E}"/>
+              </a:ext>
+              <a:ext uri="{C183D7F6-B498-43B3-948B-1728B52AA6E4}">
+                <adec:decorative xmlns:adec="http://schemas.microsoft.com/office/drawing/2017/decorative" val="1"/>
+              </a:ext>
+            </a:extLst>
+          </p:cNvPr>
+          <p:cNvSpPr>
+            <a:spLocks noGrp="1" noRot="1" noChangeAspect="1" noMove="1" noResize="1" noEditPoints="1" noAdjustHandles="1" noChangeArrowheads="1" noChangeShapeType="1" noTextEdit="1"/>
+          </p:cNvSpPr>
+          <p:nvPr>
+            <p:extLst>
+              <p:ext uri="{386F3935-93C4-4BCD-93E2-E3B085C9AB24}">
+                <p16:designElem xmlns:p16="http://schemas.microsoft.com/office/powerpoint/2015/main" val="1"/>
+              </p:ext>
+            </p:extLst>
+          </p:nvPr>
+        </p:nvSpPr>
+        <p:spPr>
+          <a:xfrm>
+            <a:off x="0" y="0"/>
+            <a:ext cx="12192000" cy="6858000"/>
+          </a:xfrm>
+          <a:prstGeom prst="rect">
+            <a:avLst/>
+          </a:prstGeom>
+          <a:solidFill>
+            <a:schemeClr val="bg1"/>
+          </a:solidFill>
+          <a:ln>
+            <a:noFill/>
+          </a:ln>
+        </p:spPr>
+        <p:style>
+          <a:lnRef idx="2">
+            <a:schemeClr val="accent1">
+              <a:shade val="50000"/>
+            </a:schemeClr>
+          </a:lnRef>
+          <a:fillRef idx="1">
+            <a:schemeClr val="accent1"/>
+          </a:fillRef>
+          <a:effectRef idx="0">
+            <a:schemeClr val="accent1"/>
+          </a:effectRef>
+          <a:fontRef idx="minor">
+            <a:schemeClr val="lt1"/>
+          </a:fontRef>
+        </p:style>
+        <p:txBody>
+          <a:bodyPr rtlCol="0" anchor="ctr"/>
+          <a:lstStyle/>
+          <a:p>
+            <a:pPr algn="ctr"/>
+            <a:endParaRPr lang="en-US" dirty="0"/>
+          </a:p>
+        </p:txBody>
+      </p:sp>
+      <p:sp>
+        <p:nvSpPr>
+          <p:cNvPr id="10" name="Rectangle 9">
+            <a:extLst>
+              <a:ext uri="{FF2B5EF4-FFF2-40B4-BE49-F238E27FC236}">
+                <a16:creationId xmlns:a16="http://schemas.microsoft.com/office/drawing/2014/main" id="{0EC5361D-F897-4856-B945-0455A365EB24}"/>
+              </a:ext>
+              <a:ext uri="{C183D7F6-B498-43B3-948B-1728B52AA6E4}">
+                <adec:decorative xmlns:adec="http://schemas.microsoft.com/office/drawing/2017/decorative" val="1"/>
+              </a:ext>
+            </a:extLst>
+          </p:cNvPr>
+          <p:cNvSpPr>
+            <a:spLocks noGrp="1" noRot="1" noChangeAspect="1" noMove="1" noResize="1" noEditPoints="1" noAdjustHandles="1" noChangeArrowheads="1" noChangeShapeType="1" noTextEdit="1"/>
+          </p:cNvSpPr>
+          <p:nvPr>
+            <p:extLst>
+              <p:ext uri="{386F3935-93C4-4BCD-93E2-E3B085C9AB24}">
+                <p16:designElem xmlns:p16="http://schemas.microsoft.com/office/powerpoint/2015/main" val="1"/>
+              </p:ext>
+            </p:extLst>
+          </p:nvPr>
+        </p:nvSpPr>
+        <p:spPr>
+          <a:xfrm rot="2700000">
+            <a:off x="415435" y="655140"/>
+            <a:ext cx="687472" cy="687472"/>
+          </a:xfrm>
+          <a:prstGeom prst="rect">
+            <a:avLst/>
+          </a:prstGeom>
+          <a:solidFill>
+            <a:schemeClr val="accent4">
+              <a:alpha val="30000"/>
+            </a:schemeClr>
+          </a:solidFill>
+          <a:ln>
+            <a:noFill/>
+          </a:ln>
+        </p:spPr>
+        <p:style>
+          <a:lnRef idx="2">
+            <a:schemeClr val="accent1">
+              <a:shade val="50000"/>
+            </a:schemeClr>
+          </a:lnRef>
+          <a:fillRef idx="1">
+            <a:schemeClr val="accent1"/>
+          </a:fillRef>
+          <a:effectRef idx="0">
+            <a:schemeClr val="accent1"/>
+          </a:effectRef>
+          <a:fontRef idx="minor">
+            <a:schemeClr val="lt1"/>
+          </a:fontRef>
+        </p:style>
+        <p:txBody>
+          <a:bodyPr rtlCol="0" anchor="ctr"/>
+          <a:lstStyle/>
+          <a:p>
+            <a:pPr algn="ctr"/>
+            <a:endParaRPr lang="en-US"/>
+          </a:p>
+        </p:txBody>
+      </p:sp>
+      <p:sp>
+        <p:nvSpPr>
+          <p:cNvPr id="12" name="Freeform: Shape 11">
+            <a:extLst>
+              <a:ext uri="{FF2B5EF4-FFF2-40B4-BE49-F238E27FC236}">
+                <a16:creationId xmlns:a16="http://schemas.microsoft.com/office/drawing/2014/main" id="{4508C0C5-2268-42B5-B3C8-4D0899E05F8C}"/>
+              </a:ext>
+              <a:ext uri="{C183D7F6-B498-43B3-948B-1728B52AA6E4}">
+                <adec:decorative xmlns:adec="http://schemas.microsoft.com/office/drawing/2017/decorative" val="1"/>
+              </a:ext>
+            </a:extLst>
+          </p:cNvPr>
+          <p:cNvSpPr>
+            <a:spLocks noGrp="1" noRot="1" noChangeAspect="1" noMove="1" noResize="1" noEditPoints="1" noAdjustHandles="1" noChangeArrowheads="1" noChangeShapeType="1" noTextEdit="1"/>
+          </p:cNvSpPr>
+          <p:nvPr>
+            <p:extLst>
+              <p:ext uri="{386F3935-93C4-4BCD-93E2-E3B085C9AB24}">
+                <p16:designElem xmlns:p16="http://schemas.microsoft.com/office/powerpoint/2015/main" val="1"/>
+              </p:ext>
+            </p:extLst>
+          </p:nvPr>
+        </p:nvSpPr>
+        <p:spPr>
+          <a:xfrm rot="10800000">
+            <a:off x="0" y="0"/>
+            <a:ext cx="2835357" cy="1480837"/>
+          </a:xfrm>
+          <a:custGeom>
+            <a:avLst/>
+            <a:gdLst>
+              <a:gd name="connsiteX0" fmla="*/ 2835357 w 2835357"/>
+              <a:gd name="connsiteY0" fmla="*/ 1480837 h 1480837"/>
+              <a:gd name="connsiteX1" fmla="*/ 0 w 2835357"/>
+              <a:gd name="connsiteY1" fmla="*/ 1480837 h 1480837"/>
+              <a:gd name="connsiteX2" fmla="*/ 1552727 w 2835357"/>
+              <a:gd name="connsiteY2" fmla="*/ 0 h 1480837"/>
+              <a:gd name="connsiteX3" fmla="*/ 2835357 w 2835357"/>
+              <a:gd name="connsiteY3" fmla="*/ 1223245 h 1480837"/>
+            </a:gdLst>
+            <a:ahLst/>
+            <a:cxnLst>
+              <a:cxn ang="0">
+                <a:pos x="connsiteX0" y="connsiteY0"/>
+              </a:cxn>
+              <a:cxn ang="0">
+                <a:pos x="connsiteX1" y="connsiteY1"/>
+              </a:cxn>
+              <a:cxn ang="0">
+                <a:pos x="connsiteX2" y="connsiteY2"/>
+              </a:cxn>
+              <a:cxn ang="0">
+                <a:pos x="connsiteX3" y="connsiteY3"/>
+              </a:cxn>
+            </a:cxnLst>
+            <a:rect l="l" t="t" r="r" b="b"/>
+            <a:pathLst>
+              <a:path w="2835357" h="1480837">
+                <a:moveTo>
+                  <a:pt x="2835357" y="1480837"/>
+                </a:moveTo>
+                <a:lnTo>
+                  <a:pt x="0" y="1480837"/>
+                </a:lnTo>
+                <a:lnTo>
+                  <a:pt x="1552727" y="0"/>
+                </a:lnTo>
+                <a:lnTo>
+                  <a:pt x="2835357" y="1223245"/>
+                </a:lnTo>
+                <a:close/>
+              </a:path>
+            </a:pathLst>
+          </a:custGeom>
+          <a:solidFill>
+            <a:schemeClr val="accent4">
+              <a:alpha val="30000"/>
+            </a:schemeClr>
+          </a:solidFill>
+          <a:ln>
+            <a:noFill/>
+          </a:ln>
+        </p:spPr>
+        <p:style>
+          <a:lnRef idx="2">
+            <a:schemeClr val="accent1">
+              <a:shade val="50000"/>
+            </a:schemeClr>
+          </a:lnRef>
+          <a:fillRef idx="1">
+            <a:schemeClr val="accent1"/>
+          </a:fillRef>
+          <a:effectRef idx="0">
+            <a:schemeClr val="accent1"/>
+          </a:effectRef>
+          <a:fontRef idx="minor">
+            <a:schemeClr val="lt1"/>
+          </a:fontRef>
+        </p:style>
+        <p:txBody>
+          <a:bodyPr wrap="square" rtlCol="0" anchor="ctr">
+            <a:noAutofit/>
+          </a:bodyPr>
+          <a:lstStyle/>
+          <a:p>
+            <a:pPr algn="ctr"/>
+            <a:endParaRPr lang="en-US" dirty="0"/>
+          </a:p>
+        </p:txBody>
+      </p:sp>
+      <p:sp>
+        <p:nvSpPr>
+          <p:cNvPr id="14" name="Freeform: Shape 13">
+            <a:extLst>
+              <a:ext uri="{FF2B5EF4-FFF2-40B4-BE49-F238E27FC236}">
+                <a16:creationId xmlns:a16="http://schemas.microsoft.com/office/drawing/2014/main" id="{141ACBDB-38F8-4B34-8183-BD95B4E55A62}"/>
+              </a:ext>
+              <a:ext uri="{C183D7F6-B498-43B3-948B-1728B52AA6E4}">
+                <adec:decorative xmlns:adec="http://schemas.microsoft.com/office/drawing/2017/decorative" val="1"/>
+              </a:ext>
+            </a:extLst>
+          </p:cNvPr>
+          <p:cNvSpPr>
+            <a:spLocks noGrp="1" noRot="1" noChangeAspect="1" noMove="1" noResize="1" noEditPoints="1" noAdjustHandles="1" noChangeArrowheads="1" noChangeShapeType="1" noTextEdit="1"/>
+          </p:cNvSpPr>
+          <p:nvPr>
+            <p:extLst>
+              <p:ext uri="{386F3935-93C4-4BCD-93E2-E3B085C9AB24}">
+                <p16:designElem xmlns:p16="http://schemas.microsoft.com/office/powerpoint/2015/main" val="1"/>
+              </p:ext>
+            </p:extLst>
+          </p:nvPr>
+        </p:nvSpPr>
+        <p:spPr>
+          <a:xfrm rot="2700000">
+            <a:off x="10739327" y="-253670"/>
+            <a:ext cx="1827638" cy="1376989"/>
+          </a:xfrm>
+          <a:custGeom>
+            <a:avLst/>
+            <a:gdLst>
+              <a:gd name="connsiteX0" fmla="*/ 0 w 1827638"/>
+              <a:gd name="connsiteY0" fmla="*/ 987379 h 1376989"/>
+              <a:gd name="connsiteX1" fmla="*/ 987379 w 1827638"/>
+              <a:gd name="connsiteY1" fmla="*/ 0 h 1376989"/>
+              <a:gd name="connsiteX2" fmla="*/ 1827638 w 1827638"/>
+              <a:gd name="connsiteY2" fmla="*/ 840260 h 1376989"/>
+              <a:gd name="connsiteX3" fmla="*/ 1827638 w 1827638"/>
+              <a:gd name="connsiteY3" fmla="*/ 1376989 h 1376989"/>
+              <a:gd name="connsiteX4" fmla="*/ 0 w 1827638"/>
+              <a:gd name="connsiteY4" fmla="*/ 1376989 h 1376989"/>
+            </a:gdLst>
+            <a:ahLst/>
+            <a:cxnLst>
+              <a:cxn ang="0">
+                <a:pos x="connsiteX0" y="connsiteY0"/>
+              </a:cxn>
+              <a:cxn ang="0">
+                <a:pos x="connsiteX1" y="connsiteY1"/>
+              </a:cxn>
+              <a:cxn ang="0">
+                <a:pos x="connsiteX2" y="connsiteY2"/>
+              </a:cxn>
+              <a:cxn ang="0">
+                <a:pos x="connsiteX3" y="connsiteY3"/>
+              </a:cxn>
+              <a:cxn ang="0">
+                <a:pos x="connsiteX4" y="connsiteY4"/>
+              </a:cxn>
+            </a:cxnLst>
+            <a:rect l="l" t="t" r="r" b="b"/>
+            <a:pathLst>
+              <a:path w="1827638" h="1376989">
+                <a:moveTo>
+                  <a:pt x="0" y="987379"/>
+                </a:moveTo>
+                <a:lnTo>
+                  <a:pt x="987379" y="0"/>
+                </a:lnTo>
+                <a:lnTo>
+                  <a:pt x="1827638" y="840260"/>
+                </a:lnTo>
+                <a:lnTo>
+                  <a:pt x="1827638" y="1376989"/>
+                </a:lnTo>
+                <a:lnTo>
+                  <a:pt x="0" y="1376989"/>
+                </a:lnTo>
+                <a:close/>
+              </a:path>
+            </a:pathLst>
+          </a:custGeom>
+          <a:solidFill>
+            <a:schemeClr val="accent1">
+              <a:alpha val="30000"/>
+            </a:schemeClr>
+          </a:solidFill>
+          <a:ln>
+            <a:noFill/>
+          </a:ln>
+        </p:spPr>
+        <p:style>
+          <a:lnRef idx="2">
+            <a:schemeClr val="accent1">
+              <a:shade val="50000"/>
+            </a:schemeClr>
+          </a:lnRef>
+          <a:fillRef idx="1">
+            <a:schemeClr val="accent1"/>
+          </a:fillRef>
+          <a:effectRef idx="0">
+            <a:schemeClr val="accent1"/>
+          </a:effectRef>
+          <a:fontRef idx="minor">
+            <a:schemeClr val="lt1"/>
+          </a:fontRef>
+        </p:style>
+        <p:txBody>
+          <a:bodyPr wrap="square" rtlCol="0" anchor="ctr">
+            <a:noAutofit/>
+          </a:bodyPr>
+          <a:lstStyle/>
+          <a:p>
+            <a:pPr algn="ctr"/>
+            <a:endParaRPr lang="en-US" dirty="0"/>
+          </a:p>
+        </p:txBody>
+      </p:sp>
+      <p:sp>
+        <p:nvSpPr>
+          <p:cNvPr id="16" name="Rectangle 15">
+            <a:extLst>
+              <a:ext uri="{FF2B5EF4-FFF2-40B4-BE49-F238E27FC236}">
+                <a16:creationId xmlns:a16="http://schemas.microsoft.com/office/drawing/2014/main" id="{DE00DB52-3455-4E2F-867B-A6D0516E175B}"/>
+              </a:ext>
+              <a:ext uri="{C183D7F6-B498-43B3-948B-1728B52AA6E4}">
+                <adec:decorative xmlns:adec="http://schemas.microsoft.com/office/drawing/2017/decorative" val="1"/>
+              </a:ext>
+            </a:extLst>
+          </p:cNvPr>
+          <p:cNvSpPr>
+            <a:spLocks noGrp="1" noRot="1" noChangeAspect="1" noMove="1" noResize="1" noEditPoints="1" noAdjustHandles="1" noChangeArrowheads="1" noChangeShapeType="1" noTextEdit="1"/>
+          </p:cNvSpPr>
+          <p:nvPr>
+            <p:extLst>
+              <p:ext uri="{386F3935-93C4-4BCD-93E2-E3B085C9AB24}">
+                <p16:designElem xmlns:p16="http://schemas.microsoft.com/office/powerpoint/2015/main" val="1"/>
+              </p:ext>
+            </p:extLst>
+          </p:nvPr>
+        </p:nvSpPr>
+        <p:spPr>
+          <a:xfrm rot="2700000">
+            <a:off x="10653800" y="422146"/>
+            <a:ext cx="645368" cy="645368"/>
+          </a:xfrm>
+          <a:prstGeom prst="rect">
+            <a:avLst/>
+          </a:prstGeom>
+          <a:solidFill>
+            <a:schemeClr val="accent1">
+              <a:alpha val="30000"/>
+            </a:schemeClr>
+          </a:solidFill>
+          <a:ln>
+            <a:noFill/>
+          </a:ln>
+        </p:spPr>
+        <p:style>
+          <a:lnRef idx="2">
+            <a:schemeClr val="accent1">
+              <a:shade val="50000"/>
+            </a:schemeClr>
+          </a:lnRef>
+          <a:fillRef idx="1">
+            <a:schemeClr val="accent1"/>
+          </a:fillRef>
+          <a:effectRef idx="0">
+            <a:schemeClr val="accent1"/>
+          </a:effectRef>
+          <a:fontRef idx="minor">
+            <a:schemeClr val="lt1"/>
+          </a:fontRef>
+        </p:style>
+        <p:txBody>
+          <a:bodyPr wrap="square" rtlCol="0" anchor="ctr">
+            <a:noAutofit/>
+          </a:bodyPr>
+          <a:lstStyle/>
+          <a:p>
+            <a:pPr algn="ctr"/>
+            <a:endParaRPr lang="en-US"/>
+          </a:p>
+        </p:txBody>
+      </p:sp>
+      <p:sp>
+        <p:nvSpPr>
+          <p:cNvPr id="3" name="Content Placeholder 2">
+            <a:extLst>
+              <a:ext uri="{FF2B5EF4-FFF2-40B4-BE49-F238E27FC236}">
+                <a16:creationId xmlns:a16="http://schemas.microsoft.com/office/drawing/2014/main" id="{D54A7F27-D7B7-99D8-797C-BD2DCB217A98}"/>
+              </a:ext>
+            </a:extLst>
+          </p:cNvPr>
+          <p:cNvSpPr>
+            <a:spLocks noGrp="1"/>
+          </p:cNvSpPr>
+          <p:nvPr>
+            <p:ph idx="1"/>
+          </p:nvPr>
+        </p:nvSpPr>
+        <p:spPr>
+          <a:xfrm>
+            <a:off x="759171" y="1679473"/>
+            <a:ext cx="11267177" cy="4436028"/>
+          </a:xfrm>
+        </p:spPr>
+        <p:txBody>
+          <a:bodyPr>
+            <a:normAutofit/>
+          </a:bodyPr>
+          <a:lstStyle/>
+          <a:p>
+            <a:pPr marL="0" indent="0" algn="just">
+              <a:buNone/>
+            </a:pPr>
+            <a:r>
+              <a:rPr lang="en-US" sz="1600" dirty="0">
+                <a:effectLst/>
+                <a:ea typeface="Arial" panose="020B0604020202020204" pitchFamily="34" charset="0"/>
+              </a:rPr>
+              <a:t>We combined the Indicators to check if it yields a better differentiation</a:t>
+            </a:r>
+          </a:p>
+          <a:p>
+            <a:pPr marL="0" indent="0" algn="just">
+              <a:buNone/>
+            </a:pPr>
+            <a:r>
+              <a:rPr lang="en-US" sz="1600" b="1" dirty="0">
+                <a:effectLst/>
+                <a:ea typeface="Arial" panose="020B0604020202020204" pitchFamily="34" charset="0"/>
+              </a:rPr>
+              <a:t>Based on the functional understanding</a:t>
+            </a:r>
+          </a:p>
+          <a:p>
+            <a:pPr algn="just"/>
+            <a:r>
+              <a:rPr lang="en-US" sz="1600" dirty="0">
+                <a:effectLst/>
+                <a:ea typeface="Arial" panose="020B0604020202020204" pitchFamily="34" charset="0"/>
+              </a:rPr>
+              <a:t>Grouping of data based on timestamp:  </a:t>
+            </a:r>
+          </a:p>
+          <a:p>
+            <a:pPr lvl="1" algn="just"/>
+            <a:r>
+              <a:rPr lang="en-US" sz="1600" dirty="0">
+                <a:effectLst/>
+                <a:ea typeface="Arial" panose="020B0604020202020204" pitchFamily="34" charset="0"/>
+              </a:rPr>
+              <a:t>Grouped users with the same timestamp as they are parallel events</a:t>
+            </a:r>
+          </a:p>
+          <a:p>
+            <a:pPr algn="just"/>
+            <a:r>
+              <a:rPr lang="en-US" sz="1600" dirty="0">
+                <a:ea typeface="Arial" panose="020B0604020202020204" pitchFamily="34" charset="0"/>
+              </a:rPr>
+              <a:t>Combining Indicators:  </a:t>
+            </a:r>
+          </a:p>
+          <a:p>
+            <a:pPr lvl="1" algn="just"/>
+            <a:r>
+              <a:rPr lang="en-US" sz="1600" dirty="0">
+                <a:ea typeface="Arial" panose="020B0604020202020204" pitchFamily="34" charset="0"/>
+              </a:rPr>
+              <a:t>Aggregated 1-6 indicators since each of them occurs in a sequence</a:t>
+            </a:r>
+          </a:p>
+          <a:p>
+            <a:pPr lvl="1" algn="just"/>
+            <a:r>
+              <a:rPr lang="en-US" sz="1600" dirty="0">
+                <a:ea typeface="Arial" panose="020B0604020202020204" pitchFamily="34" charset="0"/>
+              </a:rPr>
+              <a:t>T</a:t>
+            </a:r>
+            <a:r>
+              <a:rPr lang="en-US" sz="1600" dirty="0">
+                <a:effectLst/>
+                <a:ea typeface="Arial" panose="020B0604020202020204" pitchFamily="34" charset="0"/>
+              </a:rPr>
+              <a:t>ook the average of indicators 7 and 8 as they are </a:t>
+            </a:r>
+            <a:r>
+              <a:rPr lang="en-US" sz="1600" dirty="0">
+                <a:ea typeface="Arial" panose="020B0604020202020204" pitchFamily="34" charset="0"/>
+              </a:rPr>
+              <a:t>percentages of retransmission</a:t>
+            </a:r>
+            <a:endParaRPr lang="en-US" sz="1600" dirty="0">
+              <a:effectLst/>
+              <a:ea typeface="Arial" panose="020B0604020202020204" pitchFamily="34" charset="0"/>
+            </a:endParaRPr>
+          </a:p>
+          <a:p>
+            <a:pPr algn="just"/>
+            <a:r>
+              <a:rPr lang="en-US" sz="1600" dirty="0">
+                <a:ea typeface="Arial" panose="020B0604020202020204" pitchFamily="34" charset="0"/>
+              </a:rPr>
+              <a:t>Yielded similar results showing no clear differentiation</a:t>
+            </a:r>
+          </a:p>
+          <a:p>
+            <a:pPr marL="0" indent="0" algn="just">
+              <a:buNone/>
+            </a:pPr>
+            <a:r>
+              <a:rPr lang="en-US" sz="1600" b="1" dirty="0">
+                <a:effectLst/>
+                <a:ea typeface="Arial" panose="020B0604020202020204" pitchFamily="34" charset="0"/>
+              </a:rPr>
+              <a:t>Principle Component Analysis </a:t>
+            </a:r>
+          </a:p>
+          <a:p>
+            <a:pPr algn="just"/>
+            <a:r>
+              <a:rPr lang="en-US" sz="1600" dirty="0">
+                <a:effectLst/>
+                <a:ea typeface="Arial" panose="020B0604020202020204" pitchFamily="34" charset="0"/>
+              </a:rPr>
+              <a:t>PCA is a widely used method to reduce and combine variables</a:t>
+            </a:r>
+          </a:p>
+          <a:p>
+            <a:pPr algn="just"/>
+            <a:r>
+              <a:rPr lang="en-US" sz="1600" dirty="0">
+                <a:ea typeface="Arial" panose="020B0604020202020204" pitchFamily="34" charset="0"/>
+              </a:rPr>
+              <a:t>Usually, 2 principal components capture maximum variance (75%)</a:t>
+            </a:r>
+          </a:p>
+          <a:p>
+            <a:pPr algn="just"/>
+            <a:r>
+              <a:rPr lang="en-US" sz="1600" dirty="0">
+                <a:effectLst/>
+                <a:ea typeface="Arial" panose="020B0604020202020204" pitchFamily="34" charset="0"/>
+              </a:rPr>
+              <a:t>But here 5+ </a:t>
+            </a:r>
+            <a:r>
+              <a:rPr lang="en-US" sz="1600" dirty="0">
+                <a:ea typeface="Arial" panose="020B0604020202020204" pitchFamily="34" charset="0"/>
+              </a:rPr>
+              <a:t>were</a:t>
+            </a:r>
+            <a:r>
+              <a:rPr lang="en-US" sz="1600" dirty="0">
+                <a:effectLst/>
+                <a:ea typeface="Arial" panose="020B0604020202020204" pitchFamily="34" charset="0"/>
+              </a:rPr>
+              <a:t> needed, so this wasn't helpful</a:t>
+            </a:r>
+          </a:p>
+        </p:txBody>
+      </p:sp>
+      <p:sp>
+        <p:nvSpPr>
+          <p:cNvPr id="18" name="Isosceles Triangle 17">
+            <a:extLst>
+              <a:ext uri="{FF2B5EF4-FFF2-40B4-BE49-F238E27FC236}">
+                <a16:creationId xmlns:a16="http://schemas.microsoft.com/office/drawing/2014/main" id="{9E914C83-E0D8-4953-92D5-169D28CB43AE}"/>
+              </a:ext>
+              <a:ext uri="{C183D7F6-B498-43B3-948B-1728B52AA6E4}">
+                <adec:decorative xmlns:adec="http://schemas.microsoft.com/office/drawing/2017/decorative" val="1"/>
+              </a:ext>
+            </a:extLst>
+          </p:cNvPr>
+          <p:cNvSpPr>
+            <a:spLocks noGrp="1" noRot="1" noChangeAspect="1" noMove="1" noResize="1" noEditPoints="1" noAdjustHandles="1" noChangeArrowheads="1" noChangeShapeType="1" noTextEdit="1"/>
+          </p:cNvSpPr>
+          <p:nvPr>
+            <p:extLst>
+              <p:ext uri="{386F3935-93C4-4BCD-93E2-E3B085C9AB24}">
+                <p16:designElem xmlns:p16="http://schemas.microsoft.com/office/powerpoint/2015/main" val="1"/>
+              </p:ext>
+            </p:extLst>
+          </p:nvPr>
+        </p:nvSpPr>
+        <p:spPr>
+          <a:xfrm>
+            <a:off x="8115423" y="6115501"/>
+            <a:ext cx="1494513" cy="742499"/>
+          </a:xfrm>
+          <a:prstGeom prst="triangle">
+            <a:avLst/>
+          </a:prstGeom>
+          <a:solidFill>
+            <a:schemeClr val="accent1">
+              <a:alpha val="30000"/>
+            </a:schemeClr>
+          </a:solidFill>
+          <a:ln>
+            <a:noFill/>
+          </a:ln>
+        </p:spPr>
+        <p:style>
+          <a:lnRef idx="2">
+            <a:schemeClr val="accent1">
+              <a:shade val="50000"/>
+            </a:schemeClr>
+          </a:lnRef>
+          <a:fillRef idx="1">
+            <a:schemeClr val="accent1"/>
+          </a:fillRef>
+          <a:effectRef idx="0">
+            <a:schemeClr val="accent1"/>
+          </a:effectRef>
+          <a:fontRef idx="minor">
+            <a:schemeClr val="lt1"/>
+          </a:fontRef>
+        </p:style>
+        <p:txBody>
+          <a:bodyPr wrap="square" rtlCol="0" anchor="ctr">
+            <a:noAutofit/>
+          </a:bodyPr>
+          <a:lstStyle/>
+          <a:p>
+            <a:pPr algn="ctr"/>
+            <a:endParaRPr lang="en-US"/>
+          </a:p>
+        </p:txBody>
+      </p:sp>
+      <p:sp>
+        <p:nvSpPr>
+          <p:cNvPr id="20" name="Isosceles Triangle 19">
+            <a:extLst>
+              <a:ext uri="{FF2B5EF4-FFF2-40B4-BE49-F238E27FC236}">
+                <a16:creationId xmlns:a16="http://schemas.microsoft.com/office/drawing/2014/main" id="{3512E083-F550-46AF-8490-767ECFD00CB7}"/>
+              </a:ext>
+              <a:ext uri="{C183D7F6-B498-43B3-948B-1728B52AA6E4}">
+                <adec:decorative xmlns:adec="http://schemas.microsoft.com/office/drawing/2017/decorative" val="1"/>
+              </a:ext>
+            </a:extLst>
+          </p:cNvPr>
+          <p:cNvSpPr>
+            <a:spLocks noGrp="1" noRot="1" noChangeAspect="1" noMove="1" noResize="1" noEditPoints="1" noAdjustHandles="1" noChangeArrowheads="1" noChangeShapeType="1" noTextEdit="1"/>
+          </p:cNvSpPr>
+          <p:nvPr>
+            <p:extLst>
+              <p:ext uri="{386F3935-93C4-4BCD-93E2-E3B085C9AB24}">
+                <p16:designElem xmlns:p16="http://schemas.microsoft.com/office/powerpoint/2015/main" val="1"/>
+              </p:ext>
+            </p:extLst>
+          </p:nvPr>
+        </p:nvSpPr>
+        <p:spPr>
+          <a:xfrm>
+            <a:off x="9167297" y="6453143"/>
+            <a:ext cx="814903" cy="404857"/>
+          </a:xfrm>
+          <a:prstGeom prst="triangle">
+            <a:avLst/>
+          </a:prstGeom>
+          <a:solidFill>
+            <a:schemeClr val="accent1">
+              <a:alpha val="30000"/>
+            </a:schemeClr>
+          </a:solidFill>
+          <a:ln>
+            <a:noFill/>
+          </a:ln>
+        </p:spPr>
+        <p:style>
+          <a:lnRef idx="2">
+            <a:schemeClr val="accent1">
+              <a:shade val="50000"/>
+            </a:schemeClr>
+          </a:lnRef>
+          <a:fillRef idx="1">
+            <a:schemeClr val="accent1"/>
+          </a:fillRef>
+          <a:effectRef idx="0">
+            <a:schemeClr val="accent1"/>
+          </a:effectRef>
+          <a:fontRef idx="minor">
+            <a:schemeClr val="lt1"/>
+          </a:fontRef>
+        </p:style>
+        <p:txBody>
+          <a:bodyPr wrap="square" rtlCol="0" anchor="ctr">
+            <a:noAutofit/>
+          </a:bodyPr>
+          <a:lstStyle/>
+          <a:p>
+            <a:pPr algn="ctr"/>
+            <a:endParaRPr lang="en-US"/>
+          </a:p>
+        </p:txBody>
+      </p:sp>
+      <p:sp>
+        <p:nvSpPr>
+          <p:cNvPr id="4" name="Title 1">
+            <a:extLst>
+              <a:ext uri="{FF2B5EF4-FFF2-40B4-BE49-F238E27FC236}">
+                <a16:creationId xmlns:a16="http://schemas.microsoft.com/office/drawing/2014/main" id="{C011684E-D2F4-AC75-1AD5-AA62F1655764}"/>
+              </a:ext>
+            </a:extLst>
+          </p:cNvPr>
+          <p:cNvSpPr txBox="1">
+            <a:spLocks/>
+          </p:cNvSpPr>
+          <p:nvPr/>
+        </p:nvSpPr>
+        <p:spPr>
+          <a:xfrm>
+            <a:off x="3821954" y="264843"/>
+            <a:ext cx="6104032" cy="876875"/>
+          </a:xfrm>
+          <a:prstGeom prst="rect">
+            <a:avLst/>
+          </a:prstGeom>
+        </p:spPr>
+        <p:txBody>
+          <a:bodyPr vert="horz" lIns="91440" tIns="45720" rIns="91440" bIns="45720" rtlCol="0" anchor="ctr">
+            <a:normAutofit/>
+          </a:bodyPr>
+          <a:lstStyle>
+            <a:lvl1pPr algn="l" defTabSz="914400" rtl="0" eaLnBrk="1" latinLnBrk="0" hangingPunct="1">
+              <a:lnSpc>
+                <a:spcPct val="90000"/>
+              </a:lnSpc>
+              <a:spcBef>
+                <a:spcPct val="0"/>
+              </a:spcBef>
+              <a:buNone/>
+              <a:defRPr sz="4400" kern="1200">
+                <a:solidFill>
+                  <a:schemeClr val="tx1"/>
+                </a:solidFill>
+                <a:latin typeface="+mj-lt"/>
+                <a:ea typeface="+mj-ea"/>
+                <a:cs typeface="+mj-cs"/>
+              </a:defRPr>
+            </a:lvl1pPr>
+          </a:lstStyle>
+          <a:p>
+            <a:r>
+              <a:rPr lang="en-US" sz="3200" b="1" dirty="0">
+                <a:solidFill>
+                  <a:schemeClr val="accent5">
+                    <a:lumMod val="75000"/>
+                  </a:schemeClr>
+                </a:solidFill>
+              </a:rPr>
+              <a:t>Combining the Indicators</a:t>
+            </a:r>
+          </a:p>
+        </p:txBody>
+      </p:sp>
+    </p:spTree>
+    <p:extLst>
+      <p:ext uri="{BB962C8B-B14F-4D97-AF65-F5344CB8AC3E}">
+        <p14:creationId xmlns:p14="http://schemas.microsoft.com/office/powerpoint/2010/main" val="2789916704"/>
+      </p:ext>
+    </p:extLst>
+  </p:cSld>
+  <p:clrMapOvr>
+    <a:masterClrMapping/>
+  </p:clrMapOvr>
+</p:sld>
+</file>
+
+<file path=ppt/slides/slide11.xml><?xml version="1.0" encoding="utf-8"?>
 <p:sld xmlns:a="http://schemas.openxmlformats.org/drawingml/2006/main" xmlns:r="http://schemas.openxmlformats.org/officeDocument/2006/relationships" xmlns:p="http://schemas.openxmlformats.org/presentationml/2006/main">
   <p:cSld>
     <p:bg>
@@ -10128,7 +11139,7 @@
 </p:sld>
 </file>
 
-<file path=ppt/slides/slide11.xml><?xml version="1.0" encoding="utf-8"?>
+<file path=ppt/slides/slide12.xml><?xml version="1.0" encoding="utf-8"?>
 <p:sld xmlns:a="http://schemas.openxmlformats.org/drawingml/2006/main" xmlns:r="http://schemas.openxmlformats.org/officeDocument/2006/relationships" xmlns:p="http://schemas.openxmlformats.org/presentationml/2006/main">
   <p:cSld>
     <p:bg>
@@ -13218,7 +14229,7 @@
 </p:sld>
 </file>
 
-<file path=ppt/slides/slide12.xml><?xml version="1.0" encoding="utf-8"?>
+<file path=ppt/slides/slide13.xml><?xml version="1.0" encoding="utf-8"?>
 <p:sld xmlns:a="http://schemas.openxmlformats.org/drawingml/2006/main" xmlns:r="http://schemas.openxmlformats.org/officeDocument/2006/relationships" xmlns:p="http://schemas.openxmlformats.org/presentationml/2006/main">
   <p:cSld>
     <p:bg>
@@ -14104,7 +15115,7 @@
 </p:sld>
 </file>
 
-<file path=ppt/slides/slide13.xml><?xml version="1.0" encoding="utf-8"?>
+<file path=ppt/slides/slide14.xml><?xml version="1.0" encoding="utf-8"?>
 <p:sld xmlns:a="http://schemas.openxmlformats.org/drawingml/2006/main" xmlns:r="http://schemas.openxmlformats.org/officeDocument/2006/relationships" xmlns:p="http://schemas.openxmlformats.org/presentationml/2006/main">
   <p:cSld>
     <p:bg>
@@ -14901,7 +15912,7 @@
 </p:sld>
 </file>
 
-<file path=ppt/slides/slide14.xml><?xml version="1.0" encoding="utf-8"?>
+<file path=ppt/slides/slide15.xml><?xml version="1.0" encoding="utf-8"?>
 <p:sld xmlns:a="http://schemas.openxmlformats.org/drawingml/2006/main" xmlns:r="http://schemas.openxmlformats.org/officeDocument/2006/relationships" xmlns:p="http://schemas.openxmlformats.org/presentationml/2006/main">
   <p:cSld>
     <p:bg>
@@ -15492,7 +16503,7 @@
 </p:sld>
 </file>
 
-<file path=ppt/slides/slide15.xml><?xml version="1.0" encoding="utf-8"?>
+<file path=ppt/slides/slide16.xml><?xml version="1.0" encoding="utf-8"?>
 <p:sld xmlns:a="http://schemas.openxmlformats.org/drawingml/2006/main" xmlns:r="http://schemas.openxmlformats.org/officeDocument/2006/relationships" xmlns:p="http://schemas.openxmlformats.org/presentationml/2006/main">
   <p:cSld>
     <p:bg>
@@ -16458,7 +17469,7 @@
 </p:sld>
 </file>
 
-<file path=ppt/slides/slide16.xml><?xml version="1.0" encoding="utf-8"?>
+<file path=ppt/slides/slide17.xml><?xml version="1.0" encoding="utf-8"?>
 <p:sld xmlns:a="http://schemas.openxmlformats.org/drawingml/2006/main" xmlns:r="http://schemas.openxmlformats.org/officeDocument/2006/relationships" xmlns:p="http://schemas.openxmlformats.org/presentationml/2006/main">
   <p:cSld>
     <p:bg>
@@ -17720,6 +18731,460 @@
                   </a:schemeClr>
                 </a:solidFill>
               </a:rPr>
+              <a:t>Team Introduction</a:t>
+            </a:r>
+            <a:br>
+              <a:rPr lang="en-US" sz="5400" dirty="0"/>
+            </a:br>
+            <a:endParaRPr lang="en-US" sz="3600" b="1" dirty="0"/>
+          </a:p>
+        </p:txBody>
+      </p:sp>
+      <p:sp>
+        <p:nvSpPr>
+          <p:cNvPr id="13" name="Title 1">
+            <a:extLst>
+              <a:ext uri="{FF2B5EF4-FFF2-40B4-BE49-F238E27FC236}">
+                <a16:creationId xmlns:a16="http://schemas.microsoft.com/office/drawing/2014/main" id="{049047C5-4020-EF03-E0F4-830F36FCFA44}"/>
+              </a:ext>
+            </a:extLst>
+          </p:cNvPr>
+          <p:cNvSpPr txBox="1">
+            <a:spLocks/>
+          </p:cNvSpPr>
+          <p:nvPr/>
+        </p:nvSpPr>
+        <p:spPr>
+          <a:xfrm>
+            <a:off x="3861353" y="715475"/>
+            <a:ext cx="3806687" cy="1530726"/>
+          </a:xfrm>
+          <a:prstGeom prst="rect">
+            <a:avLst/>
+          </a:prstGeom>
+        </p:spPr>
+        <p:txBody>
+          <a:bodyPr vert="horz" lIns="91440" tIns="45720" rIns="91440" bIns="45720" rtlCol="0" anchor="ctr">
+            <a:normAutofit/>
+          </a:bodyPr>
+          <a:lstStyle>
+            <a:lvl1pPr algn="l" defTabSz="914400" rtl="0" eaLnBrk="1" latinLnBrk="0" hangingPunct="1">
+              <a:lnSpc>
+                <a:spcPct val="90000"/>
+              </a:lnSpc>
+              <a:spcBef>
+                <a:spcPct val="0"/>
+              </a:spcBef>
+              <a:buNone/>
+              <a:defRPr sz="4400" kern="1200">
+                <a:solidFill>
+                  <a:schemeClr val="tx1"/>
+                </a:solidFill>
+                <a:latin typeface="+mj-lt"/>
+                <a:ea typeface="+mj-ea"/>
+                <a:cs typeface="+mj-cs"/>
+              </a:defRPr>
+            </a:lvl1pPr>
+          </a:lstStyle>
+          <a:p>
+            <a:pPr algn="ctr"/>
+            <a:r>
+              <a:rPr lang="en-US" b="1" dirty="0">
+                <a:cs typeface="Calibri Light"/>
+              </a:rPr>
+              <a:t>Data Rangers</a:t>
+            </a:r>
+          </a:p>
+        </p:txBody>
+      </p:sp>
+      <p:pic>
+        <p:nvPicPr>
+          <p:cNvPr id="15" name="Picture 14">
+            <a:extLst>
+              <a:ext uri="{FF2B5EF4-FFF2-40B4-BE49-F238E27FC236}">
+                <a16:creationId xmlns:a16="http://schemas.microsoft.com/office/drawing/2014/main" id="{21C3E15C-24C3-3414-BE5D-72AE0FD95E8D}"/>
+              </a:ext>
+            </a:extLst>
+          </p:cNvPr>
+          <p:cNvPicPr>
+            <a:picLocks noChangeAspect="1"/>
+          </p:cNvPicPr>
+          <p:nvPr/>
+        </p:nvPicPr>
+        <p:blipFill rotWithShape="1">
+          <a:blip r:embed="rId2" cstate="hqprint">
+            <a:extLst>
+              <a:ext uri="{28A0092B-C50C-407E-A947-70E740481C1C}">
+                <a14:useLocalDpi xmlns:a14="http://schemas.microsoft.com/office/drawing/2010/main" val="0"/>
+              </a:ext>
+            </a:extLst>
+          </a:blip>
+          <a:srcRect l="16642" r="16658"/>
+          <a:stretch/>
+        </p:blipFill>
+        <p:spPr>
+          <a:xfrm>
+            <a:off x="9609935" y="2523633"/>
+            <a:ext cx="1943663" cy="1942668"/>
+          </a:xfrm>
+          <a:prstGeom prst="rect">
+            <a:avLst/>
+          </a:prstGeom>
+        </p:spPr>
+      </p:pic>
+      <p:pic>
+        <p:nvPicPr>
+          <p:cNvPr id="17" name="Picture 16">
+            <a:extLst>
+              <a:ext uri="{FF2B5EF4-FFF2-40B4-BE49-F238E27FC236}">
+                <a16:creationId xmlns:a16="http://schemas.microsoft.com/office/drawing/2014/main" id="{87F427F8-3E4C-9D20-6649-D3EC4B11577C}"/>
+              </a:ext>
+            </a:extLst>
+          </p:cNvPr>
+          <p:cNvPicPr>
+            <a:picLocks noChangeAspect="1"/>
+          </p:cNvPicPr>
+          <p:nvPr/>
+        </p:nvPicPr>
+        <p:blipFill>
+          <a:blip r:embed="rId3"/>
+          <a:stretch>
+            <a:fillRect/>
+          </a:stretch>
+        </p:blipFill>
+        <p:spPr>
+          <a:xfrm>
+            <a:off x="3933393" y="2527870"/>
+            <a:ext cx="1851783" cy="1942668"/>
+          </a:xfrm>
+          <a:prstGeom prst="rect">
+            <a:avLst/>
+          </a:prstGeom>
+        </p:spPr>
+      </p:pic>
+      <p:pic>
+        <p:nvPicPr>
+          <p:cNvPr id="19" name="Picture 18">
+            <a:extLst>
+              <a:ext uri="{FF2B5EF4-FFF2-40B4-BE49-F238E27FC236}">
+                <a16:creationId xmlns:a16="http://schemas.microsoft.com/office/drawing/2014/main" id="{5A324F02-93A3-1648-4B7C-6833321CC3D2}"/>
+              </a:ext>
+            </a:extLst>
+          </p:cNvPr>
+          <p:cNvPicPr>
+            <a:picLocks noChangeAspect="1" noChangeArrowheads="1"/>
+          </p:cNvPicPr>
+          <p:nvPr/>
+        </p:nvPicPr>
+        <p:blipFill>
+          <a:blip r:embed="rId4">
+            <a:extLst>
+              <a:ext uri="{28A0092B-C50C-407E-A947-70E740481C1C}">
+                <a14:useLocalDpi xmlns:a14="http://schemas.microsoft.com/office/drawing/2010/main" val="0"/>
+              </a:ext>
+            </a:extLst>
+          </a:blip>
+          <a:srcRect/>
+          <a:stretch>
+            <a:fillRect/>
+          </a:stretch>
+        </p:blipFill>
+        <p:spPr bwMode="auto">
+          <a:xfrm>
+            <a:off x="6793724" y="2523633"/>
+            <a:ext cx="1676451" cy="1942668"/>
+          </a:xfrm>
+          <a:prstGeom prst="rect">
+            <a:avLst/>
+          </a:prstGeom>
+          <a:noFill/>
+          <a:extLst>
+            <a:ext uri="{909E8E84-426E-40DD-AFC4-6F175D3DCCD1}">
+              <a14:hiddenFill xmlns:a14="http://schemas.microsoft.com/office/drawing/2010/main">
+                <a:solidFill>
+                  <a:srgbClr val="FFFFFF"/>
+                </a:solidFill>
+              </a14:hiddenFill>
+            </a:ext>
+          </a:extLst>
+        </p:spPr>
+      </p:pic>
+      <p:pic>
+        <p:nvPicPr>
+          <p:cNvPr id="21" name="Picture 20">
+            <a:extLst>
+              <a:ext uri="{FF2B5EF4-FFF2-40B4-BE49-F238E27FC236}">
+                <a16:creationId xmlns:a16="http://schemas.microsoft.com/office/drawing/2014/main" id="{0A04B091-9649-B23A-1E6C-ED9C2237DCDA}"/>
+              </a:ext>
+            </a:extLst>
+          </p:cNvPr>
+          <p:cNvPicPr>
+            <a:picLocks noChangeAspect="1"/>
+          </p:cNvPicPr>
+          <p:nvPr/>
+        </p:nvPicPr>
+        <p:blipFill>
+          <a:blip r:embed="rId5"/>
+          <a:stretch>
+            <a:fillRect/>
+          </a:stretch>
+        </p:blipFill>
+        <p:spPr>
+          <a:xfrm>
+            <a:off x="1125765" y="2523633"/>
+            <a:ext cx="1964996" cy="1942668"/>
+          </a:xfrm>
+          <a:prstGeom prst="rect">
+            <a:avLst/>
+          </a:prstGeom>
+        </p:spPr>
+      </p:pic>
+      <p:sp>
+        <p:nvSpPr>
+          <p:cNvPr id="22" name="TextBox 21">
+            <a:extLst>
+              <a:ext uri="{FF2B5EF4-FFF2-40B4-BE49-F238E27FC236}">
+                <a16:creationId xmlns:a16="http://schemas.microsoft.com/office/drawing/2014/main" id="{AC117F94-C9A9-F540-AD2C-64797A2E05E6}"/>
+              </a:ext>
+            </a:extLst>
+          </p:cNvPr>
+          <p:cNvSpPr txBox="1"/>
+          <p:nvPr/>
+        </p:nvSpPr>
+        <p:spPr>
+          <a:xfrm>
+            <a:off x="1461067" y="4720112"/>
+            <a:ext cx="1292189" cy="646331"/>
+          </a:xfrm>
+          <a:prstGeom prst="rect">
+            <a:avLst/>
+          </a:prstGeom>
+          <a:noFill/>
+        </p:spPr>
+        <p:txBody>
+          <a:bodyPr wrap="square" lIns="91440" tIns="45720" rIns="91440" bIns="45720" rtlCol="0" anchor="t">
+            <a:spAutoFit/>
+          </a:bodyPr>
+          <a:lstStyle/>
+          <a:p>
+            <a:pPr algn="ctr"/>
+            <a:r>
+              <a:rPr lang="en-US" b="1" dirty="0"/>
+              <a:t>Bharath Raj</a:t>
+            </a:r>
+          </a:p>
+          <a:p>
+            <a:pPr algn="ctr"/>
+            <a:r>
+              <a:rPr lang="en-US" b="1" dirty="0">
+                <a:cs typeface="Calibri"/>
+              </a:rPr>
+              <a:t>Muppalla</a:t>
+            </a:r>
+          </a:p>
+        </p:txBody>
+      </p:sp>
+      <p:sp>
+        <p:nvSpPr>
+          <p:cNvPr id="23" name="TextBox 22">
+            <a:extLst>
+              <a:ext uri="{FF2B5EF4-FFF2-40B4-BE49-F238E27FC236}">
+                <a16:creationId xmlns:a16="http://schemas.microsoft.com/office/drawing/2014/main" id="{EA375B5C-E91D-9056-F7AD-8EB3A308C5E8}"/>
+              </a:ext>
+            </a:extLst>
+          </p:cNvPr>
+          <p:cNvSpPr txBox="1"/>
+          <p:nvPr/>
+        </p:nvSpPr>
+        <p:spPr>
+          <a:xfrm>
+            <a:off x="4204515" y="4720111"/>
+            <a:ext cx="1292189" cy="646331"/>
+          </a:xfrm>
+          <a:prstGeom prst="rect">
+            <a:avLst/>
+          </a:prstGeom>
+          <a:noFill/>
+        </p:spPr>
+        <p:txBody>
+          <a:bodyPr wrap="square" lIns="91440" tIns="45720" rIns="91440" bIns="45720" rtlCol="0" anchor="t">
+            <a:spAutoFit/>
+          </a:bodyPr>
+          <a:lstStyle/>
+          <a:p>
+            <a:pPr algn="ctr"/>
+            <a:r>
+              <a:rPr lang="en-US" b="1" dirty="0"/>
+              <a:t>Cade</a:t>
+            </a:r>
+          </a:p>
+          <a:p>
+            <a:pPr algn="ctr"/>
+            <a:r>
+              <a:rPr lang="en-US" b="1" dirty="0">
+                <a:cs typeface="Calibri"/>
+              </a:rPr>
+              <a:t>Phelan</a:t>
+            </a:r>
+          </a:p>
+        </p:txBody>
+      </p:sp>
+      <p:sp>
+        <p:nvSpPr>
+          <p:cNvPr id="24" name="TextBox 23">
+            <a:extLst>
+              <a:ext uri="{FF2B5EF4-FFF2-40B4-BE49-F238E27FC236}">
+                <a16:creationId xmlns:a16="http://schemas.microsoft.com/office/drawing/2014/main" id="{09582BA0-CEB9-8B07-971C-03308F9F0214}"/>
+              </a:ext>
+            </a:extLst>
+          </p:cNvPr>
+          <p:cNvSpPr txBox="1"/>
+          <p:nvPr/>
+        </p:nvSpPr>
+        <p:spPr>
+          <a:xfrm>
+            <a:off x="7061622" y="4692654"/>
+            <a:ext cx="1352665" cy="646331"/>
+          </a:xfrm>
+          <a:prstGeom prst="rect">
+            <a:avLst/>
+          </a:prstGeom>
+          <a:noFill/>
+        </p:spPr>
+        <p:txBody>
+          <a:bodyPr wrap="square" lIns="91440" tIns="45720" rIns="91440" bIns="45720" rtlCol="0" anchor="t">
+            <a:spAutoFit/>
+          </a:bodyPr>
+          <a:lstStyle/>
+          <a:p>
+            <a:pPr algn="ctr"/>
+            <a:r>
+              <a:rPr lang="en-US" b="1" dirty="0"/>
+              <a:t>Srinivas</a:t>
+            </a:r>
+          </a:p>
+          <a:p>
+            <a:pPr algn="ctr"/>
+            <a:r>
+              <a:rPr lang="en-US" b="1" dirty="0">
+                <a:cs typeface="Calibri"/>
+              </a:rPr>
+              <a:t>Pramodh</a:t>
+            </a:r>
+          </a:p>
+        </p:txBody>
+      </p:sp>
+      <p:sp>
+        <p:nvSpPr>
+          <p:cNvPr id="25" name="TextBox 24">
+            <a:extLst>
+              <a:ext uri="{FF2B5EF4-FFF2-40B4-BE49-F238E27FC236}">
+                <a16:creationId xmlns:a16="http://schemas.microsoft.com/office/drawing/2014/main" id="{8492F11A-497C-BFC3-F92B-956511DB49EC}"/>
+              </a:ext>
+            </a:extLst>
+          </p:cNvPr>
+          <p:cNvSpPr txBox="1"/>
+          <p:nvPr/>
+        </p:nvSpPr>
+        <p:spPr>
+          <a:xfrm>
+            <a:off x="9609935" y="4720110"/>
+            <a:ext cx="1943663" cy="646331"/>
+          </a:xfrm>
+          <a:prstGeom prst="rect">
+            <a:avLst/>
+          </a:prstGeom>
+          <a:noFill/>
+        </p:spPr>
+        <p:txBody>
+          <a:bodyPr wrap="square" lIns="91440" tIns="45720" rIns="91440" bIns="45720" rtlCol="0" anchor="t">
+            <a:spAutoFit/>
+          </a:bodyPr>
+          <a:lstStyle/>
+          <a:p>
+            <a:pPr algn="ctr"/>
+            <a:r>
+              <a:rPr lang="en-US" b="1" dirty="0"/>
+              <a:t>Tharun</a:t>
+            </a:r>
+          </a:p>
+          <a:p>
+            <a:pPr algn="ctr"/>
+            <a:r>
+              <a:rPr lang="en-US" b="1" dirty="0">
+                <a:cs typeface="Calibri"/>
+              </a:rPr>
+              <a:t>Veeram Reddy</a:t>
+            </a:r>
+          </a:p>
+        </p:txBody>
+      </p:sp>
+    </p:spTree>
+    <p:extLst>
+      <p:ext uri="{BB962C8B-B14F-4D97-AF65-F5344CB8AC3E}">
+        <p14:creationId xmlns:p14="http://schemas.microsoft.com/office/powerpoint/2010/main" val="1915744512"/>
+      </p:ext>
+    </p:extLst>
+  </p:cSld>
+  <p:clrMapOvr>
+    <a:masterClrMapping/>
+  </p:clrMapOvr>
+</p:sld>
+</file>
+
+<file path=ppt/slides/slide3.xml><?xml version="1.0" encoding="utf-8"?>
+<p:sld xmlns:a="http://schemas.openxmlformats.org/drawingml/2006/main" xmlns:r="http://schemas.openxmlformats.org/officeDocument/2006/relationships" xmlns:p="http://schemas.openxmlformats.org/presentationml/2006/main">
+  <p:cSld>
+    <p:spTree>
+      <p:nvGrpSpPr>
+        <p:cNvPr id="1" name=""/>
+        <p:cNvGrpSpPr/>
+        <p:nvPr/>
+      </p:nvGrpSpPr>
+      <p:grpSpPr>
+        <a:xfrm>
+          <a:off x="0" y="0"/>
+          <a:ext cx="0" cy="0"/>
+          <a:chOff x="0" y="0"/>
+          <a:chExt cx="0" cy="0"/>
+        </a:xfrm>
+      </p:grpSpPr>
+      <p:sp>
+        <p:nvSpPr>
+          <p:cNvPr id="4" name="Title 1">
+            <a:extLst>
+              <a:ext uri="{FF2B5EF4-FFF2-40B4-BE49-F238E27FC236}">
+                <a16:creationId xmlns:a16="http://schemas.microsoft.com/office/drawing/2014/main" id="{353E3487-13C5-E363-65AC-97364E78CBB7}"/>
+              </a:ext>
+            </a:extLst>
+          </p:cNvPr>
+          <p:cNvSpPr>
+            <a:spLocks noGrp="1"/>
+          </p:cNvSpPr>
+          <p:nvPr>
+            <p:ph type="title"/>
+          </p:nvPr>
+        </p:nvSpPr>
+        <p:spPr>
+          <a:xfrm>
+            <a:off x="4262691" y="310569"/>
+            <a:ext cx="3367488" cy="688307"/>
+          </a:xfrm>
+        </p:spPr>
+        <p:txBody>
+          <a:bodyPr>
+            <a:normAutofit fontScale="90000"/>
+          </a:bodyPr>
+          <a:lstStyle/>
+          <a:p>
+            <a:r>
+              <a:rPr lang="en-US" sz="3600" b="1" dirty="0">
+                <a:solidFill>
+                  <a:schemeClr val="accent5">
+                    <a:lumMod val="75000"/>
+                  </a:schemeClr>
+                </a:solidFill>
+              </a:rPr>
               <a:t>Problem Statement</a:t>
             </a:r>
             <a:br>
@@ -17934,7 +19399,7 @@
     </p:spTree>
     <p:extLst>
       <p:ext uri="{BB962C8B-B14F-4D97-AF65-F5344CB8AC3E}">
-        <p14:creationId xmlns:p14="http://schemas.microsoft.com/office/powerpoint/2010/main" val="1915744512"/>
+        <p14:creationId xmlns:p14="http://schemas.microsoft.com/office/powerpoint/2010/main" val="4113756763"/>
       </p:ext>
     </p:extLst>
   </p:cSld>
@@ -17944,7 +19409,7 @@
 </p:sld>
 </file>
 
-<file path=ppt/slides/slide3.xml><?xml version="1.0" encoding="utf-8"?>
+<file path=ppt/slides/slide4.xml><?xml version="1.0" encoding="utf-8"?>
 <p:sld xmlns:a="http://schemas.openxmlformats.org/drawingml/2006/main" xmlns:r="http://schemas.openxmlformats.org/officeDocument/2006/relationships" xmlns:p="http://schemas.openxmlformats.org/presentationml/2006/main">
   <p:cSld>
     <p:bg>
@@ -19264,7 +20729,7 @@
 </p:sld>
 </file>
 
-<file path=ppt/slides/slide4.xml><?xml version="1.0" encoding="utf-8"?>
+<file path=ppt/slides/slide5.xml><?xml version="1.0" encoding="utf-8"?>
 <p:sld xmlns:a="http://schemas.openxmlformats.org/drawingml/2006/main" xmlns:r="http://schemas.openxmlformats.org/officeDocument/2006/relationships" xmlns:p="http://schemas.openxmlformats.org/presentationml/2006/main">
   <p:cSld>
     <p:bg>
@@ -23923,7 +25388,7 @@
 </p:sld>
 </file>
 
-<file path=ppt/slides/slide5.xml><?xml version="1.0" encoding="utf-8"?>
+<file path=ppt/slides/slide6.xml><?xml version="1.0" encoding="utf-8"?>
 <p:sld xmlns:a="http://schemas.openxmlformats.org/drawingml/2006/main" xmlns:r="http://schemas.openxmlformats.org/officeDocument/2006/relationships" xmlns:p="http://schemas.openxmlformats.org/presentationml/2006/main">
   <p:cSld>
     <p:bg>
@@ -25984,7 +27449,7 @@
 </p:sld>
 </file>
 
-<file path=ppt/slides/slide6.xml><?xml version="1.0" encoding="utf-8"?>
+<file path=ppt/slides/slide7.xml><?xml version="1.0" encoding="utf-8"?>
 <p:sld xmlns:a="http://schemas.openxmlformats.org/drawingml/2006/main" xmlns:r="http://schemas.openxmlformats.org/officeDocument/2006/relationships" xmlns:p="http://schemas.openxmlformats.org/presentationml/2006/main">
   <p:cSld>
     <p:bg>
@@ -26591,7 +28056,7 @@
 </p:sld>
 </file>
 
-<file path=ppt/slides/slide7.xml><?xml version="1.0" encoding="utf-8"?>
+<file path=ppt/slides/slide8.xml><?xml version="1.0" encoding="utf-8"?>
 <p:sld xmlns:a="http://schemas.openxmlformats.org/drawingml/2006/main" xmlns:r="http://schemas.openxmlformats.org/officeDocument/2006/relationships" xmlns:p="http://schemas.openxmlformats.org/presentationml/2006/main">
   <p:cSld>
     <p:bg>
@@ -27198,7 +28663,7 @@
 </p:sld>
 </file>
 
-<file path=ppt/slides/slide8.xml><?xml version="1.0" encoding="utf-8"?>
+<file path=ppt/slides/slide9.xml><?xml version="1.0" encoding="utf-8"?>
 <p:sld xmlns:a="http://schemas.openxmlformats.org/drawingml/2006/main" xmlns:r="http://schemas.openxmlformats.org/officeDocument/2006/relationships" xmlns:p="http://schemas.openxmlformats.org/presentationml/2006/main">
   <p:cSld>
     <p:bg>
@@ -27969,841 +29434,6 @@
     <p:extLst>
       <p:ext uri="{BB962C8B-B14F-4D97-AF65-F5344CB8AC3E}">
         <p14:creationId xmlns:p14="http://schemas.microsoft.com/office/powerpoint/2010/main" val="3485871045"/>
-      </p:ext>
-    </p:extLst>
-  </p:cSld>
-  <p:clrMapOvr>
-    <a:masterClrMapping/>
-  </p:clrMapOvr>
-</p:sld>
-</file>
-
-<file path=ppt/slides/slide9.xml><?xml version="1.0" encoding="utf-8"?>
-<p:sld xmlns:a="http://schemas.openxmlformats.org/drawingml/2006/main" xmlns:r="http://schemas.openxmlformats.org/officeDocument/2006/relationships" xmlns:p="http://schemas.openxmlformats.org/presentationml/2006/main">
-  <p:cSld>
-    <p:bg>
-      <p:bgPr>
-        <a:solidFill>
-          <a:schemeClr val="bg1"/>
-        </a:solidFill>
-        <a:effectLst/>
-      </p:bgPr>
-    </p:bg>
-    <p:spTree>
-      <p:nvGrpSpPr>
-        <p:cNvPr id="1" name=""/>
-        <p:cNvGrpSpPr/>
-        <p:nvPr/>
-      </p:nvGrpSpPr>
-      <p:grpSpPr>
-        <a:xfrm>
-          <a:off x="0" y="0"/>
-          <a:ext cx="0" cy="0"/>
-          <a:chOff x="0" y="0"/>
-          <a:chExt cx="0" cy="0"/>
-        </a:xfrm>
-      </p:grpSpPr>
-      <p:sp>
-        <p:nvSpPr>
-          <p:cNvPr id="8" name="Rectangle 7">
-            <a:extLst>
-              <a:ext uri="{FF2B5EF4-FFF2-40B4-BE49-F238E27FC236}">
-                <a16:creationId xmlns:a16="http://schemas.microsoft.com/office/drawing/2014/main" id="{46D6306C-ED4F-4AAE-B4A5-EEA6AFAD726E}"/>
-              </a:ext>
-              <a:ext uri="{C183D7F6-B498-43B3-948B-1728B52AA6E4}">
-                <adec:decorative xmlns:adec="http://schemas.microsoft.com/office/drawing/2017/decorative" val="1"/>
-              </a:ext>
-            </a:extLst>
-          </p:cNvPr>
-          <p:cNvSpPr>
-            <a:spLocks noGrp="1" noRot="1" noChangeAspect="1" noMove="1" noResize="1" noEditPoints="1" noAdjustHandles="1" noChangeArrowheads="1" noChangeShapeType="1" noTextEdit="1"/>
-          </p:cNvSpPr>
-          <p:nvPr>
-            <p:extLst>
-              <p:ext uri="{386F3935-93C4-4BCD-93E2-E3B085C9AB24}">
-                <p16:designElem xmlns:p16="http://schemas.microsoft.com/office/powerpoint/2015/main" val="1"/>
-              </p:ext>
-            </p:extLst>
-          </p:nvPr>
-        </p:nvSpPr>
-        <p:spPr>
-          <a:xfrm>
-            <a:off x="0" y="0"/>
-            <a:ext cx="12192000" cy="6858000"/>
-          </a:xfrm>
-          <a:prstGeom prst="rect">
-            <a:avLst/>
-          </a:prstGeom>
-          <a:solidFill>
-            <a:schemeClr val="bg1"/>
-          </a:solidFill>
-          <a:ln>
-            <a:noFill/>
-          </a:ln>
-        </p:spPr>
-        <p:style>
-          <a:lnRef idx="2">
-            <a:schemeClr val="accent1">
-              <a:shade val="50000"/>
-            </a:schemeClr>
-          </a:lnRef>
-          <a:fillRef idx="1">
-            <a:schemeClr val="accent1"/>
-          </a:fillRef>
-          <a:effectRef idx="0">
-            <a:schemeClr val="accent1"/>
-          </a:effectRef>
-          <a:fontRef idx="minor">
-            <a:schemeClr val="lt1"/>
-          </a:fontRef>
-        </p:style>
-        <p:txBody>
-          <a:bodyPr rtlCol="0" anchor="ctr"/>
-          <a:lstStyle/>
-          <a:p>
-            <a:pPr algn="ctr"/>
-            <a:endParaRPr lang="en-US" dirty="0"/>
-          </a:p>
-        </p:txBody>
-      </p:sp>
-      <p:sp>
-        <p:nvSpPr>
-          <p:cNvPr id="10" name="Rectangle 9">
-            <a:extLst>
-              <a:ext uri="{FF2B5EF4-FFF2-40B4-BE49-F238E27FC236}">
-                <a16:creationId xmlns:a16="http://schemas.microsoft.com/office/drawing/2014/main" id="{0EC5361D-F897-4856-B945-0455A365EB24}"/>
-              </a:ext>
-              <a:ext uri="{C183D7F6-B498-43B3-948B-1728B52AA6E4}">
-                <adec:decorative xmlns:adec="http://schemas.microsoft.com/office/drawing/2017/decorative" val="1"/>
-              </a:ext>
-            </a:extLst>
-          </p:cNvPr>
-          <p:cNvSpPr>
-            <a:spLocks noGrp="1" noRot="1" noChangeAspect="1" noMove="1" noResize="1" noEditPoints="1" noAdjustHandles="1" noChangeArrowheads="1" noChangeShapeType="1" noTextEdit="1"/>
-          </p:cNvSpPr>
-          <p:nvPr>
-            <p:extLst>
-              <p:ext uri="{386F3935-93C4-4BCD-93E2-E3B085C9AB24}">
-                <p16:designElem xmlns:p16="http://schemas.microsoft.com/office/powerpoint/2015/main" val="1"/>
-              </p:ext>
-            </p:extLst>
-          </p:nvPr>
-        </p:nvSpPr>
-        <p:spPr>
-          <a:xfrm rot="2700000">
-            <a:off x="415435" y="655140"/>
-            <a:ext cx="687472" cy="687472"/>
-          </a:xfrm>
-          <a:prstGeom prst="rect">
-            <a:avLst/>
-          </a:prstGeom>
-          <a:solidFill>
-            <a:schemeClr val="accent4">
-              <a:alpha val="30000"/>
-            </a:schemeClr>
-          </a:solidFill>
-          <a:ln>
-            <a:noFill/>
-          </a:ln>
-        </p:spPr>
-        <p:style>
-          <a:lnRef idx="2">
-            <a:schemeClr val="accent1">
-              <a:shade val="50000"/>
-            </a:schemeClr>
-          </a:lnRef>
-          <a:fillRef idx="1">
-            <a:schemeClr val="accent1"/>
-          </a:fillRef>
-          <a:effectRef idx="0">
-            <a:schemeClr val="accent1"/>
-          </a:effectRef>
-          <a:fontRef idx="minor">
-            <a:schemeClr val="lt1"/>
-          </a:fontRef>
-        </p:style>
-        <p:txBody>
-          <a:bodyPr rtlCol="0" anchor="ctr"/>
-          <a:lstStyle/>
-          <a:p>
-            <a:pPr algn="ctr"/>
-            <a:endParaRPr lang="en-US"/>
-          </a:p>
-        </p:txBody>
-      </p:sp>
-      <p:sp>
-        <p:nvSpPr>
-          <p:cNvPr id="12" name="Freeform: Shape 11">
-            <a:extLst>
-              <a:ext uri="{FF2B5EF4-FFF2-40B4-BE49-F238E27FC236}">
-                <a16:creationId xmlns:a16="http://schemas.microsoft.com/office/drawing/2014/main" id="{4508C0C5-2268-42B5-B3C8-4D0899E05F8C}"/>
-              </a:ext>
-              <a:ext uri="{C183D7F6-B498-43B3-948B-1728B52AA6E4}">
-                <adec:decorative xmlns:adec="http://schemas.microsoft.com/office/drawing/2017/decorative" val="1"/>
-              </a:ext>
-            </a:extLst>
-          </p:cNvPr>
-          <p:cNvSpPr>
-            <a:spLocks noGrp="1" noRot="1" noChangeAspect="1" noMove="1" noResize="1" noEditPoints="1" noAdjustHandles="1" noChangeArrowheads="1" noChangeShapeType="1" noTextEdit="1"/>
-          </p:cNvSpPr>
-          <p:nvPr>
-            <p:extLst>
-              <p:ext uri="{386F3935-93C4-4BCD-93E2-E3B085C9AB24}">
-                <p16:designElem xmlns:p16="http://schemas.microsoft.com/office/powerpoint/2015/main" val="1"/>
-              </p:ext>
-            </p:extLst>
-          </p:nvPr>
-        </p:nvSpPr>
-        <p:spPr>
-          <a:xfrm rot="10800000">
-            <a:off x="0" y="0"/>
-            <a:ext cx="2835357" cy="1480837"/>
-          </a:xfrm>
-          <a:custGeom>
-            <a:avLst/>
-            <a:gdLst>
-              <a:gd name="connsiteX0" fmla="*/ 2835357 w 2835357"/>
-              <a:gd name="connsiteY0" fmla="*/ 1480837 h 1480837"/>
-              <a:gd name="connsiteX1" fmla="*/ 0 w 2835357"/>
-              <a:gd name="connsiteY1" fmla="*/ 1480837 h 1480837"/>
-              <a:gd name="connsiteX2" fmla="*/ 1552727 w 2835357"/>
-              <a:gd name="connsiteY2" fmla="*/ 0 h 1480837"/>
-              <a:gd name="connsiteX3" fmla="*/ 2835357 w 2835357"/>
-              <a:gd name="connsiteY3" fmla="*/ 1223245 h 1480837"/>
-            </a:gdLst>
-            <a:ahLst/>
-            <a:cxnLst>
-              <a:cxn ang="0">
-                <a:pos x="connsiteX0" y="connsiteY0"/>
-              </a:cxn>
-              <a:cxn ang="0">
-                <a:pos x="connsiteX1" y="connsiteY1"/>
-              </a:cxn>
-              <a:cxn ang="0">
-                <a:pos x="connsiteX2" y="connsiteY2"/>
-              </a:cxn>
-              <a:cxn ang="0">
-                <a:pos x="connsiteX3" y="connsiteY3"/>
-              </a:cxn>
-            </a:cxnLst>
-            <a:rect l="l" t="t" r="r" b="b"/>
-            <a:pathLst>
-              <a:path w="2835357" h="1480837">
-                <a:moveTo>
-                  <a:pt x="2835357" y="1480837"/>
-                </a:moveTo>
-                <a:lnTo>
-                  <a:pt x="0" y="1480837"/>
-                </a:lnTo>
-                <a:lnTo>
-                  <a:pt x="1552727" y="0"/>
-                </a:lnTo>
-                <a:lnTo>
-                  <a:pt x="2835357" y="1223245"/>
-                </a:lnTo>
-                <a:close/>
-              </a:path>
-            </a:pathLst>
-          </a:custGeom>
-          <a:solidFill>
-            <a:schemeClr val="accent4">
-              <a:alpha val="30000"/>
-            </a:schemeClr>
-          </a:solidFill>
-          <a:ln>
-            <a:noFill/>
-          </a:ln>
-        </p:spPr>
-        <p:style>
-          <a:lnRef idx="2">
-            <a:schemeClr val="accent1">
-              <a:shade val="50000"/>
-            </a:schemeClr>
-          </a:lnRef>
-          <a:fillRef idx="1">
-            <a:schemeClr val="accent1"/>
-          </a:fillRef>
-          <a:effectRef idx="0">
-            <a:schemeClr val="accent1"/>
-          </a:effectRef>
-          <a:fontRef idx="minor">
-            <a:schemeClr val="lt1"/>
-          </a:fontRef>
-        </p:style>
-        <p:txBody>
-          <a:bodyPr wrap="square" rtlCol="0" anchor="ctr">
-            <a:noAutofit/>
-          </a:bodyPr>
-          <a:lstStyle/>
-          <a:p>
-            <a:pPr algn="ctr"/>
-            <a:endParaRPr lang="en-US" dirty="0"/>
-          </a:p>
-        </p:txBody>
-      </p:sp>
-      <p:sp>
-        <p:nvSpPr>
-          <p:cNvPr id="14" name="Freeform: Shape 13">
-            <a:extLst>
-              <a:ext uri="{FF2B5EF4-FFF2-40B4-BE49-F238E27FC236}">
-                <a16:creationId xmlns:a16="http://schemas.microsoft.com/office/drawing/2014/main" id="{141ACBDB-38F8-4B34-8183-BD95B4E55A62}"/>
-              </a:ext>
-              <a:ext uri="{C183D7F6-B498-43B3-948B-1728B52AA6E4}">
-                <adec:decorative xmlns:adec="http://schemas.microsoft.com/office/drawing/2017/decorative" val="1"/>
-              </a:ext>
-            </a:extLst>
-          </p:cNvPr>
-          <p:cNvSpPr>
-            <a:spLocks noGrp="1" noRot="1" noChangeAspect="1" noMove="1" noResize="1" noEditPoints="1" noAdjustHandles="1" noChangeArrowheads="1" noChangeShapeType="1" noTextEdit="1"/>
-          </p:cNvSpPr>
-          <p:nvPr>
-            <p:extLst>
-              <p:ext uri="{386F3935-93C4-4BCD-93E2-E3B085C9AB24}">
-                <p16:designElem xmlns:p16="http://schemas.microsoft.com/office/powerpoint/2015/main" val="1"/>
-              </p:ext>
-            </p:extLst>
-          </p:nvPr>
-        </p:nvSpPr>
-        <p:spPr>
-          <a:xfrm rot="2700000">
-            <a:off x="10739327" y="-253670"/>
-            <a:ext cx="1827638" cy="1376989"/>
-          </a:xfrm>
-          <a:custGeom>
-            <a:avLst/>
-            <a:gdLst>
-              <a:gd name="connsiteX0" fmla="*/ 0 w 1827638"/>
-              <a:gd name="connsiteY0" fmla="*/ 987379 h 1376989"/>
-              <a:gd name="connsiteX1" fmla="*/ 987379 w 1827638"/>
-              <a:gd name="connsiteY1" fmla="*/ 0 h 1376989"/>
-              <a:gd name="connsiteX2" fmla="*/ 1827638 w 1827638"/>
-              <a:gd name="connsiteY2" fmla="*/ 840260 h 1376989"/>
-              <a:gd name="connsiteX3" fmla="*/ 1827638 w 1827638"/>
-              <a:gd name="connsiteY3" fmla="*/ 1376989 h 1376989"/>
-              <a:gd name="connsiteX4" fmla="*/ 0 w 1827638"/>
-              <a:gd name="connsiteY4" fmla="*/ 1376989 h 1376989"/>
-            </a:gdLst>
-            <a:ahLst/>
-            <a:cxnLst>
-              <a:cxn ang="0">
-                <a:pos x="connsiteX0" y="connsiteY0"/>
-              </a:cxn>
-              <a:cxn ang="0">
-                <a:pos x="connsiteX1" y="connsiteY1"/>
-              </a:cxn>
-              <a:cxn ang="0">
-                <a:pos x="connsiteX2" y="connsiteY2"/>
-              </a:cxn>
-              <a:cxn ang="0">
-                <a:pos x="connsiteX3" y="connsiteY3"/>
-              </a:cxn>
-              <a:cxn ang="0">
-                <a:pos x="connsiteX4" y="connsiteY4"/>
-              </a:cxn>
-            </a:cxnLst>
-            <a:rect l="l" t="t" r="r" b="b"/>
-            <a:pathLst>
-              <a:path w="1827638" h="1376989">
-                <a:moveTo>
-                  <a:pt x="0" y="987379"/>
-                </a:moveTo>
-                <a:lnTo>
-                  <a:pt x="987379" y="0"/>
-                </a:lnTo>
-                <a:lnTo>
-                  <a:pt x="1827638" y="840260"/>
-                </a:lnTo>
-                <a:lnTo>
-                  <a:pt x="1827638" y="1376989"/>
-                </a:lnTo>
-                <a:lnTo>
-                  <a:pt x="0" y="1376989"/>
-                </a:lnTo>
-                <a:close/>
-              </a:path>
-            </a:pathLst>
-          </a:custGeom>
-          <a:solidFill>
-            <a:schemeClr val="accent1">
-              <a:alpha val="30000"/>
-            </a:schemeClr>
-          </a:solidFill>
-          <a:ln>
-            <a:noFill/>
-          </a:ln>
-        </p:spPr>
-        <p:style>
-          <a:lnRef idx="2">
-            <a:schemeClr val="accent1">
-              <a:shade val="50000"/>
-            </a:schemeClr>
-          </a:lnRef>
-          <a:fillRef idx="1">
-            <a:schemeClr val="accent1"/>
-          </a:fillRef>
-          <a:effectRef idx="0">
-            <a:schemeClr val="accent1"/>
-          </a:effectRef>
-          <a:fontRef idx="minor">
-            <a:schemeClr val="lt1"/>
-          </a:fontRef>
-        </p:style>
-        <p:txBody>
-          <a:bodyPr wrap="square" rtlCol="0" anchor="ctr">
-            <a:noAutofit/>
-          </a:bodyPr>
-          <a:lstStyle/>
-          <a:p>
-            <a:pPr algn="ctr"/>
-            <a:endParaRPr lang="en-US" dirty="0"/>
-          </a:p>
-        </p:txBody>
-      </p:sp>
-      <p:sp>
-        <p:nvSpPr>
-          <p:cNvPr id="16" name="Rectangle 15">
-            <a:extLst>
-              <a:ext uri="{FF2B5EF4-FFF2-40B4-BE49-F238E27FC236}">
-                <a16:creationId xmlns:a16="http://schemas.microsoft.com/office/drawing/2014/main" id="{DE00DB52-3455-4E2F-867B-A6D0516E175B}"/>
-              </a:ext>
-              <a:ext uri="{C183D7F6-B498-43B3-948B-1728B52AA6E4}">
-                <adec:decorative xmlns:adec="http://schemas.microsoft.com/office/drawing/2017/decorative" val="1"/>
-              </a:ext>
-            </a:extLst>
-          </p:cNvPr>
-          <p:cNvSpPr>
-            <a:spLocks noGrp="1" noRot="1" noChangeAspect="1" noMove="1" noResize="1" noEditPoints="1" noAdjustHandles="1" noChangeArrowheads="1" noChangeShapeType="1" noTextEdit="1"/>
-          </p:cNvSpPr>
-          <p:nvPr>
-            <p:extLst>
-              <p:ext uri="{386F3935-93C4-4BCD-93E2-E3B085C9AB24}">
-                <p16:designElem xmlns:p16="http://schemas.microsoft.com/office/powerpoint/2015/main" val="1"/>
-              </p:ext>
-            </p:extLst>
-          </p:nvPr>
-        </p:nvSpPr>
-        <p:spPr>
-          <a:xfrm rot="2700000">
-            <a:off x="10653800" y="422146"/>
-            <a:ext cx="645368" cy="645368"/>
-          </a:xfrm>
-          <a:prstGeom prst="rect">
-            <a:avLst/>
-          </a:prstGeom>
-          <a:solidFill>
-            <a:schemeClr val="accent1">
-              <a:alpha val="30000"/>
-            </a:schemeClr>
-          </a:solidFill>
-          <a:ln>
-            <a:noFill/>
-          </a:ln>
-        </p:spPr>
-        <p:style>
-          <a:lnRef idx="2">
-            <a:schemeClr val="accent1">
-              <a:shade val="50000"/>
-            </a:schemeClr>
-          </a:lnRef>
-          <a:fillRef idx="1">
-            <a:schemeClr val="accent1"/>
-          </a:fillRef>
-          <a:effectRef idx="0">
-            <a:schemeClr val="accent1"/>
-          </a:effectRef>
-          <a:fontRef idx="minor">
-            <a:schemeClr val="lt1"/>
-          </a:fontRef>
-        </p:style>
-        <p:txBody>
-          <a:bodyPr wrap="square" rtlCol="0" anchor="ctr">
-            <a:noAutofit/>
-          </a:bodyPr>
-          <a:lstStyle/>
-          <a:p>
-            <a:pPr algn="ctr"/>
-            <a:endParaRPr lang="en-US"/>
-          </a:p>
-        </p:txBody>
-      </p:sp>
-      <p:sp>
-        <p:nvSpPr>
-          <p:cNvPr id="3" name="Content Placeholder 2">
-            <a:extLst>
-              <a:ext uri="{FF2B5EF4-FFF2-40B4-BE49-F238E27FC236}">
-                <a16:creationId xmlns:a16="http://schemas.microsoft.com/office/drawing/2014/main" id="{D54A7F27-D7B7-99D8-797C-BD2DCB217A98}"/>
-              </a:ext>
-            </a:extLst>
-          </p:cNvPr>
-          <p:cNvSpPr>
-            <a:spLocks noGrp="1"/>
-          </p:cNvSpPr>
-          <p:nvPr>
-            <p:ph idx="1"/>
-          </p:nvPr>
-        </p:nvSpPr>
-        <p:spPr>
-          <a:xfrm>
-            <a:off x="759171" y="1679473"/>
-            <a:ext cx="11267177" cy="4436028"/>
-          </a:xfrm>
-        </p:spPr>
-        <p:txBody>
-          <a:bodyPr>
-            <a:normAutofit/>
-          </a:bodyPr>
-          <a:lstStyle/>
-          <a:p>
-            <a:pPr marL="0" indent="0" algn="just">
-              <a:buNone/>
-            </a:pPr>
-            <a:r>
-              <a:rPr lang="en-US" sz="1600" dirty="0">
-                <a:effectLst/>
-                <a:ea typeface="Arial" panose="020B0604020202020204" pitchFamily="34" charset="0"/>
-              </a:rPr>
-              <a:t>We combined the Indicators to check if it yields a better differentiation</a:t>
-            </a:r>
-          </a:p>
-          <a:p>
-            <a:pPr marL="0" indent="0" algn="just">
-              <a:buNone/>
-            </a:pPr>
-            <a:r>
-              <a:rPr lang="en-US" sz="1600" b="1" dirty="0">
-                <a:effectLst/>
-                <a:ea typeface="Arial" panose="020B0604020202020204" pitchFamily="34" charset="0"/>
-              </a:rPr>
-              <a:t>Based on the functional understanding</a:t>
-            </a:r>
-          </a:p>
-          <a:p>
-            <a:pPr algn="just"/>
-            <a:r>
-              <a:rPr lang="en-US" sz="1600" dirty="0">
-                <a:effectLst/>
-                <a:ea typeface="Arial" panose="020B0604020202020204" pitchFamily="34" charset="0"/>
-              </a:rPr>
-              <a:t>Grouping of data based on timestamp:  </a:t>
-            </a:r>
-          </a:p>
-          <a:p>
-            <a:pPr lvl="1" algn="just"/>
-            <a:r>
-              <a:rPr lang="en-US" sz="1600" dirty="0">
-                <a:effectLst/>
-                <a:ea typeface="Arial" panose="020B0604020202020204" pitchFamily="34" charset="0"/>
-              </a:rPr>
-              <a:t>Grouped users with the same timestamp as they are parallel events</a:t>
-            </a:r>
-          </a:p>
-          <a:p>
-            <a:pPr algn="just"/>
-            <a:r>
-              <a:rPr lang="en-US" sz="1600" dirty="0">
-                <a:ea typeface="Arial" panose="020B0604020202020204" pitchFamily="34" charset="0"/>
-              </a:rPr>
-              <a:t>Combining Indicators:  </a:t>
-            </a:r>
-          </a:p>
-          <a:p>
-            <a:pPr lvl="1" algn="just"/>
-            <a:r>
-              <a:rPr lang="en-US" sz="1600" dirty="0">
-                <a:ea typeface="Arial" panose="020B0604020202020204" pitchFamily="34" charset="0"/>
-              </a:rPr>
-              <a:t>Aggregated 1-6 indicators since each of them occurs in a sequence</a:t>
-            </a:r>
-          </a:p>
-          <a:p>
-            <a:pPr lvl="1" algn="just"/>
-            <a:r>
-              <a:rPr lang="en-US" sz="1600" dirty="0">
-                <a:ea typeface="Arial" panose="020B0604020202020204" pitchFamily="34" charset="0"/>
-              </a:rPr>
-              <a:t>T</a:t>
-            </a:r>
-            <a:r>
-              <a:rPr lang="en-US" sz="1600" dirty="0">
-                <a:effectLst/>
-                <a:ea typeface="Arial" panose="020B0604020202020204" pitchFamily="34" charset="0"/>
-              </a:rPr>
-              <a:t>ook the average of indicators 7 and 8 as they are </a:t>
-            </a:r>
-            <a:r>
-              <a:rPr lang="en-US" sz="1600" dirty="0">
-                <a:ea typeface="Arial" panose="020B0604020202020204" pitchFamily="34" charset="0"/>
-              </a:rPr>
-              <a:t>percentages of retransmission</a:t>
-            </a:r>
-            <a:endParaRPr lang="en-US" sz="1600" dirty="0">
-              <a:effectLst/>
-              <a:ea typeface="Arial" panose="020B0604020202020204" pitchFamily="34" charset="0"/>
-            </a:endParaRPr>
-          </a:p>
-          <a:p>
-            <a:pPr algn="just"/>
-            <a:r>
-              <a:rPr lang="en-US" sz="1600" dirty="0">
-                <a:ea typeface="Arial" panose="020B0604020202020204" pitchFamily="34" charset="0"/>
-              </a:rPr>
-              <a:t>Yielded similar results showing no clear differentiation</a:t>
-            </a:r>
-          </a:p>
-          <a:p>
-            <a:pPr marL="0" indent="0" algn="just">
-              <a:buNone/>
-            </a:pPr>
-            <a:r>
-              <a:rPr lang="en-US" sz="1600" b="1" dirty="0">
-                <a:effectLst/>
-                <a:ea typeface="Arial" panose="020B0604020202020204" pitchFamily="34" charset="0"/>
-              </a:rPr>
-              <a:t>Principle Component Analysis </a:t>
-            </a:r>
-          </a:p>
-          <a:p>
-            <a:pPr algn="just"/>
-            <a:r>
-              <a:rPr lang="en-US" sz="1600" dirty="0">
-                <a:effectLst/>
-                <a:ea typeface="Arial" panose="020B0604020202020204" pitchFamily="34" charset="0"/>
-              </a:rPr>
-              <a:t>PCA is a widely used method to reduce and combine variables</a:t>
-            </a:r>
-          </a:p>
-          <a:p>
-            <a:pPr algn="just"/>
-            <a:r>
-              <a:rPr lang="en-US" sz="1600" dirty="0">
-                <a:ea typeface="Arial" panose="020B0604020202020204" pitchFamily="34" charset="0"/>
-              </a:rPr>
-              <a:t>Usually, 2 principal components capture maximum variance (75%)</a:t>
-            </a:r>
-          </a:p>
-          <a:p>
-            <a:pPr algn="just"/>
-            <a:r>
-              <a:rPr lang="en-US" sz="1600" dirty="0">
-                <a:effectLst/>
-                <a:ea typeface="Arial" panose="020B0604020202020204" pitchFamily="34" charset="0"/>
-              </a:rPr>
-              <a:t>But here 5+ </a:t>
-            </a:r>
-            <a:r>
-              <a:rPr lang="en-US" sz="1600" dirty="0">
-                <a:ea typeface="Arial" panose="020B0604020202020204" pitchFamily="34" charset="0"/>
-              </a:rPr>
-              <a:t>were</a:t>
-            </a:r>
-            <a:r>
-              <a:rPr lang="en-US" sz="1600" dirty="0">
-                <a:effectLst/>
-                <a:ea typeface="Arial" panose="020B0604020202020204" pitchFamily="34" charset="0"/>
-              </a:rPr>
-              <a:t> needed, so this wasn't helpful</a:t>
-            </a:r>
-          </a:p>
-        </p:txBody>
-      </p:sp>
-      <p:sp>
-        <p:nvSpPr>
-          <p:cNvPr id="18" name="Isosceles Triangle 17">
-            <a:extLst>
-              <a:ext uri="{FF2B5EF4-FFF2-40B4-BE49-F238E27FC236}">
-                <a16:creationId xmlns:a16="http://schemas.microsoft.com/office/drawing/2014/main" id="{9E914C83-E0D8-4953-92D5-169D28CB43AE}"/>
-              </a:ext>
-              <a:ext uri="{C183D7F6-B498-43B3-948B-1728B52AA6E4}">
-                <adec:decorative xmlns:adec="http://schemas.microsoft.com/office/drawing/2017/decorative" val="1"/>
-              </a:ext>
-            </a:extLst>
-          </p:cNvPr>
-          <p:cNvSpPr>
-            <a:spLocks noGrp="1" noRot="1" noChangeAspect="1" noMove="1" noResize="1" noEditPoints="1" noAdjustHandles="1" noChangeArrowheads="1" noChangeShapeType="1" noTextEdit="1"/>
-          </p:cNvSpPr>
-          <p:nvPr>
-            <p:extLst>
-              <p:ext uri="{386F3935-93C4-4BCD-93E2-E3B085C9AB24}">
-                <p16:designElem xmlns:p16="http://schemas.microsoft.com/office/powerpoint/2015/main" val="1"/>
-              </p:ext>
-            </p:extLst>
-          </p:nvPr>
-        </p:nvSpPr>
-        <p:spPr>
-          <a:xfrm>
-            <a:off x="8115423" y="6115501"/>
-            <a:ext cx="1494513" cy="742499"/>
-          </a:xfrm>
-          <a:prstGeom prst="triangle">
-            <a:avLst/>
-          </a:prstGeom>
-          <a:solidFill>
-            <a:schemeClr val="accent1">
-              <a:alpha val="30000"/>
-            </a:schemeClr>
-          </a:solidFill>
-          <a:ln>
-            <a:noFill/>
-          </a:ln>
-        </p:spPr>
-        <p:style>
-          <a:lnRef idx="2">
-            <a:schemeClr val="accent1">
-              <a:shade val="50000"/>
-            </a:schemeClr>
-          </a:lnRef>
-          <a:fillRef idx="1">
-            <a:schemeClr val="accent1"/>
-          </a:fillRef>
-          <a:effectRef idx="0">
-            <a:schemeClr val="accent1"/>
-          </a:effectRef>
-          <a:fontRef idx="minor">
-            <a:schemeClr val="lt1"/>
-          </a:fontRef>
-        </p:style>
-        <p:txBody>
-          <a:bodyPr wrap="square" rtlCol="0" anchor="ctr">
-            <a:noAutofit/>
-          </a:bodyPr>
-          <a:lstStyle/>
-          <a:p>
-            <a:pPr algn="ctr"/>
-            <a:endParaRPr lang="en-US"/>
-          </a:p>
-        </p:txBody>
-      </p:sp>
-      <p:sp>
-        <p:nvSpPr>
-          <p:cNvPr id="20" name="Isosceles Triangle 19">
-            <a:extLst>
-              <a:ext uri="{FF2B5EF4-FFF2-40B4-BE49-F238E27FC236}">
-                <a16:creationId xmlns:a16="http://schemas.microsoft.com/office/drawing/2014/main" id="{3512E083-F550-46AF-8490-767ECFD00CB7}"/>
-              </a:ext>
-              <a:ext uri="{C183D7F6-B498-43B3-948B-1728B52AA6E4}">
-                <adec:decorative xmlns:adec="http://schemas.microsoft.com/office/drawing/2017/decorative" val="1"/>
-              </a:ext>
-            </a:extLst>
-          </p:cNvPr>
-          <p:cNvSpPr>
-            <a:spLocks noGrp="1" noRot="1" noChangeAspect="1" noMove="1" noResize="1" noEditPoints="1" noAdjustHandles="1" noChangeArrowheads="1" noChangeShapeType="1" noTextEdit="1"/>
-          </p:cNvSpPr>
-          <p:nvPr>
-            <p:extLst>
-              <p:ext uri="{386F3935-93C4-4BCD-93E2-E3B085C9AB24}">
-                <p16:designElem xmlns:p16="http://schemas.microsoft.com/office/powerpoint/2015/main" val="1"/>
-              </p:ext>
-            </p:extLst>
-          </p:nvPr>
-        </p:nvSpPr>
-        <p:spPr>
-          <a:xfrm>
-            <a:off x="9167297" y="6453143"/>
-            <a:ext cx="814903" cy="404857"/>
-          </a:xfrm>
-          <a:prstGeom prst="triangle">
-            <a:avLst/>
-          </a:prstGeom>
-          <a:solidFill>
-            <a:schemeClr val="accent1">
-              <a:alpha val="30000"/>
-            </a:schemeClr>
-          </a:solidFill>
-          <a:ln>
-            <a:noFill/>
-          </a:ln>
-        </p:spPr>
-        <p:style>
-          <a:lnRef idx="2">
-            <a:schemeClr val="accent1">
-              <a:shade val="50000"/>
-            </a:schemeClr>
-          </a:lnRef>
-          <a:fillRef idx="1">
-            <a:schemeClr val="accent1"/>
-          </a:fillRef>
-          <a:effectRef idx="0">
-            <a:schemeClr val="accent1"/>
-          </a:effectRef>
-          <a:fontRef idx="minor">
-            <a:schemeClr val="lt1"/>
-          </a:fontRef>
-        </p:style>
-        <p:txBody>
-          <a:bodyPr wrap="square" rtlCol="0" anchor="ctr">
-            <a:noAutofit/>
-          </a:bodyPr>
-          <a:lstStyle/>
-          <a:p>
-            <a:pPr algn="ctr"/>
-            <a:endParaRPr lang="en-US"/>
-          </a:p>
-        </p:txBody>
-      </p:sp>
-      <p:sp>
-        <p:nvSpPr>
-          <p:cNvPr id="4" name="Title 1">
-            <a:extLst>
-              <a:ext uri="{FF2B5EF4-FFF2-40B4-BE49-F238E27FC236}">
-                <a16:creationId xmlns:a16="http://schemas.microsoft.com/office/drawing/2014/main" id="{C011684E-D2F4-AC75-1AD5-AA62F1655764}"/>
-              </a:ext>
-            </a:extLst>
-          </p:cNvPr>
-          <p:cNvSpPr txBox="1">
-            <a:spLocks/>
-          </p:cNvSpPr>
-          <p:nvPr/>
-        </p:nvSpPr>
-        <p:spPr>
-          <a:xfrm>
-            <a:off x="3821954" y="264843"/>
-            <a:ext cx="6104032" cy="876875"/>
-          </a:xfrm>
-          <a:prstGeom prst="rect">
-            <a:avLst/>
-          </a:prstGeom>
-        </p:spPr>
-        <p:txBody>
-          <a:bodyPr vert="horz" lIns="91440" tIns="45720" rIns="91440" bIns="45720" rtlCol="0" anchor="ctr">
-            <a:normAutofit/>
-          </a:bodyPr>
-          <a:lstStyle>
-            <a:lvl1pPr algn="l" defTabSz="914400" rtl="0" eaLnBrk="1" latinLnBrk="0" hangingPunct="1">
-              <a:lnSpc>
-                <a:spcPct val="90000"/>
-              </a:lnSpc>
-              <a:spcBef>
-                <a:spcPct val="0"/>
-              </a:spcBef>
-              <a:buNone/>
-              <a:defRPr sz="4400" kern="1200">
-                <a:solidFill>
-                  <a:schemeClr val="tx1"/>
-                </a:solidFill>
-                <a:latin typeface="+mj-lt"/>
-                <a:ea typeface="+mj-ea"/>
-                <a:cs typeface="+mj-cs"/>
-              </a:defRPr>
-            </a:lvl1pPr>
-          </a:lstStyle>
-          <a:p>
-            <a:r>
-              <a:rPr lang="en-US" sz="3200" b="1" dirty="0">
-                <a:solidFill>
-                  <a:schemeClr val="accent5">
-                    <a:lumMod val="75000"/>
-                  </a:schemeClr>
-                </a:solidFill>
-              </a:rPr>
-              <a:t>Combining the Indicators</a:t>
-            </a:r>
-          </a:p>
-        </p:txBody>
-      </p:sp>
-    </p:spTree>
-    <p:extLst>
-      <p:ext uri="{BB962C8B-B14F-4D97-AF65-F5344CB8AC3E}">
-        <p14:creationId xmlns:p14="http://schemas.microsoft.com/office/powerpoint/2010/main" val="2789916704"/>
       </p:ext>
     </p:extLst>
   </p:cSld>

--- a/5gChallenge_DataRangers.pptx
+++ b/5gChallenge_DataRangers.pptx
@@ -132,6 +132,7 @@
 <p1510:revInfo xmlns:a="http://schemas.openxmlformats.org/drawingml/2006/main" xmlns:r="http://schemas.openxmlformats.org/officeDocument/2006/relationships" xmlns:p1510="http://schemas.microsoft.com/office/powerpoint/2015/10/main">
   <p1510:revLst>
     <p1510:client id="{23A7666B-C5A2-4AE7-BC9A-82F1276E5DCE}" v="8" dt="2022-11-29T13:10:19.175"/>
+    <p1510:client id="{C954325B-1D7E-4205-818C-5BD5F67AA9C6}" v="10" dt="2022-11-30T04:12:59.907"/>
   </p1510:revLst>
 </p1510:revInfo>
 </file>
@@ -141,12 +142,12 @@
   <pc:docChgLst>
     <pc:chgData name="Bharath Raj Muppalla" userId="cbaa53fa90d5aa00" providerId="LiveId" clId="{C954325B-1D7E-4205-818C-5BD5F67AA9C6}"/>
     <pc:docChg chg="modSld">
-      <pc:chgData name="Bharath Raj Muppalla" userId="cbaa53fa90d5aa00" providerId="LiveId" clId="{C954325B-1D7E-4205-818C-5BD5F67AA9C6}" dt="2022-11-30T04:10:31.856" v="0" actId="1076"/>
+      <pc:chgData name="Bharath Raj Muppalla" userId="cbaa53fa90d5aa00" providerId="LiveId" clId="{C954325B-1D7E-4205-818C-5BD5F67AA9C6}" dt="2022-11-30T04:12:59.907" v="10" actId="20577"/>
       <pc:docMkLst>
         <pc:docMk/>
       </pc:docMkLst>
       <pc:sldChg chg="modSp mod">
-        <pc:chgData name="Bharath Raj Muppalla" userId="cbaa53fa90d5aa00" providerId="LiveId" clId="{C954325B-1D7E-4205-818C-5BD5F67AA9C6}" dt="2022-11-30T04:10:31.856" v="0" actId="1076"/>
+        <pc:chgData name="Bharath Raj Muppalla" userId="cbaa53fa90d5aa00" providerId="LiveId" clId="{C954325B-1D7E-4205-818C-5BD5F67AA9C6}" dt="2022-11-30T04:12:59.907" v="10" actId="20577"/>
         <pc:sldMkLst>
           <pc:docMk/>
           <pc:sldMk cId="4202074098" sldId="256"/>
@@ -157,6 +158,14 @@
             <pc:docMk/>
             <pc:sldMk cId="4202074098" sldId="256"/>
             <ac:spMk id="6" creationId="{D9D5F302-EE28-756D-1CD5-572DA0B1C7AC}"/>
+          </ac:spMkLst>
+        </pc:spChg>
+        <pc:spChg chg="mod">
+          <ac:chgData name="Bharath Raj Muppalla" userId="cbaa53fa90d5aa00" providerId="LiveId" clId="{C954325B-1D7E-4205-818C-5BD5F67AA9C6}" dt="2022-11-30T04:12:59.907" v="10" actId="20577"/>
+          <ac:spMkLst>
+            <pc:docMk/>
+            <pc:sldMk cId="4202074098" sldId="256"/>
+            <ac:spMk id="7" creationId="{AF0F0B18-DD57-7F81-ED00-BAEE7DDF30A5}"/>
           </ac:spMkLst>
         </pc:spChg>
       </pc:sldChg>
@@ -8105,7 +8114,14 @@
                 <a:latin typeface="Calibri"/>
                 <a:cs typeface="Calibri"/>
               </a:rPr>
-              <a:t>AI for good </a:t>
+              <a:t>AI </a:t>
+            </a:r>
+            <a:r>
+              <a:rPr lang="en-US" sz="4000" b="1">
+                <a:latin typeface="Calibri"/>
+                <a:cs typeface="Calibri"/>
+              </a:rPr>
+              <a:t>for Good </a:t>
             </a:r>
             <a:br>
               <a:rPr lang="en-US" sz="4000" b="1" dirty="0">
@@ -8118,7 +8134,7 @@
                 <a:latin typeface="Calibri"/>
                 <a:cs typeface="Calibri"/>
               </a:rPr>
-              <a:t>5g/ml challenge</a:t>
+              <a:t>5G/ML Challenge</a:t>
             </a:r>
             <a:endParaRPr lang="en-US" dirty="0"/>
           </a:p>
